--- a/Presentation/Project1.pptx
+++ b/Presentation/Project1.pptx
@@ -25,6 +25,9 @@
     <p:sldId id="268" r:id="rId20"/>
     <p:sldId id="269" r:id="rId21"/>
     <p:sldId id="270" r:id="rId22"/>
+    <p:sldId id="271" r:id="rId23"/>
+    <p:sldId id="272" r:id="rId24"/>
+    <p:sldId id="273" r:id="rId25"/>
   </p:sldIdLst>
   <p:sldSz cy="5143500" cx="9144000"/>
   <p:notesSz cx="6858000" cy="9144000"/>
@@ -806,7 +809,7 @@
   <p:cSld>
     <p:spTree>
       <p:nvGrpSpPr>
-        <p:cNvPr id="319" name="Shape 319"/>
+        <p:cNvPr id="318" name="Shape 318"/>
         <p:cNvGrpSpPr/>
         <p:nvPr/>
       </p:nvGrpSpPr>
@@ -820,7 +823,7 @@
       </p:grpSpPr>
       <p:sp>
         <p:nvSpPr>
-          <p:cNvPr id="320" name="Google Shape;320;g2ac26989787_1_250:notes"/>
+          <p:cNvPr id="319" name="Google Shape;319;g2ac26989787_1_250:notes"/>
           <p:cNvSpPr txBox="1"/>
           <p:nvPr>
             <p:ph idx="1" type="body"/>
@@ -859,7 +862,7 @@
       </p:sp>
       <p:sp>
         <p:nvSpPr>
-          <p:cNvPr id="321" name="Google Shape;321;g2ac26989787_1_250:notes"/>
+          <p:cNvPr id="320" name="Google Shape;320;g2ac26989787_1_250:notes"/>
           <p:cNvSpPr/>
           <p:nvPr>
             <p:ph idx="2" type="sldImg"/>
@@ -905,7 +908,7 @@
   <p:cSld>
     <p:spTree>
       <p:nvGrpSpPr>
-        <p:cNvPr id="326" name="Shape 326"/>
+        <p:cNvPr id="325" name="Shape 325"/>
         <p:cNvGrpSpPr/>
         <p:nvPr/>
       </p:nvGrpSpPr>
@@ -919,7 +922,7 @@
       </p:grpSpPr>
       <p:sp>
         <p:nvSpPr>
-          <p:cNvPr id="327" name="Google Shape;327;g2ac26989787_1_264:notes"/>
+          <p:cNvPr id="326" name="Google Shape;326;g2ac26989787_1_264:notes"/>
           <p:cNvSpPr txBox="1"/>
           <p:nvPr>
             <p:ph idx="1" type="body"/>
@@ -958,7 +961,7 @@
       </p:sp>
       <p:sp>
         <p:nvSpPr>
-          <p:cNvPr id="328" name="Google Shape;328;g2ac26989787_1_264:notes"/>
+          <p:cNvPr id="327" name="Google Shape;327;g2ac26989787_1_264:notes"/>
           <p:cNvSpPr/>
           <p:nvPr>
             <p:ph idx="2" type="sldImg"/>
@@ -1004,7 +1007,7 @@
   <p:cSld>
     <p:spTree>
       <p:nvGrpSpPr>
-        <p:cNvPr id="335" name="Shape 335"/>
+        <p:cNvPr id="334" name="Shape 334"/>
         <p:cNvGrpSpPr/>
         <p:nvPr/>
       </p:nvGrpSpPr>
@@ -1018,7 +1021,7 @@
       </p:grpSpPr>
       <p:sp>
         <p:nvSpPr>
-          <p:cNvPr id="336" name="Google Shape;336;g2ac26989787_1_271:notes"/>
+          <p:cNvPr id="335" name="Google Shape;335;g2ac26989787_1_271:notes"/>
           <p:cNvSpPr txBox="1"/>
           <p:nvPr>
             <p:ph idx="1" type="body"/>
@@ -1039,26 +1042,226 @@
           </a:bodyPr>
           <a:lstStyle/>
           <a:p>
-            <a:pPr indent="0" lvl="0" marL="0" rtl="0" algn="l">
-              <a:spcBef>
-                <a:spcPts val="0"/>
-              </a:spcBef>
-              <a:spcAft>
-                <a:spcPts val="0"/>
-              </a:spcAft>
-              <a:buNone/>
+            <a:pPr indent="-298450" lvl="0" marL="457200" rtl="0" algn="l">
+              <a:spcBef>
+                <a:spcPts val="0"/>
+              </a:spcBef>
+              <a:spcAft>
+                <a:spcPts val="0"/>
+              </a:spcAft>
+              <a:buSzPts val="1100"/>
+              <a:buChar char="-"/>
             </a:pPr>
             <a:r>
               <a:rPr lang="en"/>
-              <a:t>The further away the point is from 0, the greater the impact it will have on weather.</a:t>
+              <a:t>Talk about how magnitudes are assigned </a:t>
             </a:r>
             <a:endParaRPr/>
+          </a:p>
+          <a:p>
+            <a:pPr indent="-298450" lvl="1" marL="914400" rtl="0" algn="l">
+              <a:spcBef>
+                <a:spcPts val="0"/>
+              </a:spcBef>
+              <a:spcAft>
+                <a:spcPts val="0"/>
+              </a:spcAft>
+              <a:buSzPts val="1100"/>
+              <a:buChar char="-"/>
+            </a:pPr>
+            <a:r>
+              <a:rPr lang="en"/>
+              <a:t>+ or - 0.5 = Neutral</a:t>
+            </a:r>
+            <a:endParaRPr/>
+          </a:p>
+          <a:p>
+            <a:pPr indent="-298450" lvl="1" marL="914400" rtl="0" algn="l">
+              <a:spcBef>
+                <a:spcPts val="0"/>
+              </a:spcBef>
+              <a:spcAft>
+                <a:spcPts val="0"/>
+              </a:spcAft>
+              <a:buSzPts val="1100"/>
+              <a:buChar char="-"/>
+            </a:pPr>
+            <a:r>
+              <a:rPr lang="en"/>
+              <a:t>+ or -  0.5 to 0.9 = Weak</a:t>
+            </a:r>
+            <a:endParaRPr/>
+          </a:p>
+          <a:p>
+            <a:pPr indent="-298450" lvl="1" marL="914400" rtl="0" algn="l">
+              <a:spcBef>
+                <a:spcPts val="0"/>
+              </a:spcBef>
+              <a:spcAft>
+                <a:spcPts val="0"/>
+              </a:spcAft>
+              <a:buSzPts val="1100"/>
+              <a:buChar char="-"/>
+            </a:pPr>
+            <a:r>
+              <a:rPr lang="en">
+                <a:solidFill>
+                  <a:schemeClr val="dk1"/>
+                </a:solidFill>
+              </a:rPr>
+              <a:t>+ or - 1.0 to 1.4 = Moderate</a:t>
+            </a:r>
+            <a:endParaRPr>
+              <a:solidFill>
+                <a:schemeClr val="dk1"/>
+              </a:solidFill>
+            </a:endParaRPr>
+          </a:p>
+          <a:p>
+            <a:pPr indent="-298450" lvl="1" marL="914400" rtl="0" algn="l">
+              <a:spcBef>
+                <a:spcPts val="0"/>
+              </a:spcBef>
+              <a:spcAft>
+                <a:spcPts val="0"/>
+              </a:spcAft>
+              <a:buClr>
+                <a:schemeClr val="dk1"/>
+              </a:buClr>
+              <a:buSzPts val="1100"/>
+              <a:buChar char="-"/>
+            </a:pPr>
+            <a:r>
+              <a:rPr lang="en">
+                <a:solidFill>
+                  <a:schemeClr val="dk1"/>
+                </a:solidFill>
+              </a:rPr>
+              <a:t>+ or - 1.5 to 1.9 = Strong</a:t>
+            </a:r>
+            <a:endParaRPr>
+              <a:solidFill>
+                <a:schemeClr val="dk1"/>
+              </a:solidFill>
+            </a:endParaRPr>
+          </a:p>
+          <a:p>
+            <a:pPr indent="-298450" lvl="1" marL="914400" rtl="0" algn="l">
+              <a:spcBef>
+                <a:spcPts val="0"/>
+              </a:spcBef>
+              <a:spcAft>
+                <a:spcPts val="0"/>
+              </a:spcAft>
+              <a:buClr>
+                <a:schemeClr val="dk1"/>
+              </a:buClr>
+              <a:buSzPts val="1100"/>
+              <a:buChar char="-"/>
+            </a:pPr>
+            <a:r>
+              <a:rPr lang="en">
+                <a:solidFill>
+                  <a:schemeClr val="dk1"/>
+                </a:solidFill>
+              </a:rPr>
+              <a:t>+ or - &gt;= 2 = Very Strong</a:t>
+            </a:r>
+            <a:endParaRPr>
+              <a:solidFill>
+                <a:schemeClr val="dk1"/>
+              </a:solidFill>
+            </a:endParaRPr>
+          </a:p>
+          <a:p>
+            <a:pPr indent="-298450" lvl="0" marL="457200" rtl="0" algn="l">
+              <a:spcBef>
+                <a:spcPts val="0"/>
+              </a:spcBef>
+              <a:spcAft>
+                <a:spcPts val="0"/>
+              </a:spcAft>
+              <a:buClr>
+                <a:schemeClr val="dk1"/>
+              </a:buClr>
+              <a:buSzPts val="1100"/>
+              <a:buChar char="-"/>
+            </a:pPr>
+            <a:r>
+              <a:rPr lang="en">
+                <a:solidFill>
+                  <a:schemeClr val="dk1"/>
+                </a:solidFill>
+              </a:rPr>
+              <a:t>1990-2017 relatively Neutral.</a:t>
+            </a:r>
+            <a:endParaRPr>
+              <a:solidFill>
+                <a:schemeClr val="dk1"/>
+              </a:solidFill>
+            </a:endParaRPr>
+          </a:p>
+          <a:p>
+            <a:pPr indent="-298450" lvl="1" marL="914400" rtl="0" algn="l">
+              <a:spcBef>
+                <a:spcPts val="0"/>
+              </a:spcBef>
+              <a:spcAft>
+                <a:spcPts val="0"/>
+              </a:spcAft>
+              <a:buClr>
+                <a:schemeClr val="dk1"/>
+              </a:buClr>
+              <a:buSzPts val="1100"/>
+              <a:buChar char="-"/>
+            </a:pPr>
+            <a:r>
+              <a:rPr lang="en">
+                <a:solidFill>
+                  <a:schemeClr val="dk1"/>
+                </a:solidFill>
+              </a:rPr>
+              <a:t>El Nino more likely to be Weak with Strong spikes in 1997 and 2015</a:t>
+            </a:r>
+            <a:endParaRPr>
+              <a:solidFill>
+                <a:schemeClr val="dk1"/>
+              </a:solidFill>
+            </a:endParaRPr>
+          </a:p>
+          <a:p>
+            <a:pPr indent="-298450" lvl="1" marL="914400" rtl="0" algn="l">
+              <a:spcBef>
+                <a:spcPts val="0"/>
+              </a:spcBef>
+              <a:spcAft>
+                <a:spcPts val="0"/>
+              </a:spcAft>
+              <a:buClr>
+                <a:schemeClr val="dk1"/>
+              </a:buClr>
+              <a:buSzPts val="1100"/>
+              <a:buChar char="-"/>
+            </a:pPr>
+            <a:r>
+              <a:rPr lang="en">
+                <a:solidFill>
+                  <a:schemeClr val="dk1"/>
+                </a:solidFill>
+              </a:rPr>
+              <a:t>La Nina more likely to be Neutral with Moderate spikes in 1998-1999, 2007 and 2010.</a:t>
+            </a:r>
+            <a:endParaRPr>
+              <a:solidFill>
+                <a:schemeClr val="dk1"/>
+              </a:solidFill>
+            </a:endParaRPr>
           </a:p>
         </p:txBody>
       </p:sp>
       <p:sp>
         <p:nvSpPr>
-          <p:cNvPr id="337" name="Google Shape;337;g2ac26989787_1_271:notes"/>
+          <p:cNvPr id="336" name="Google Shape;336;g2ac26989787_1_271:notes"/>
           <p:cNvSpPr/>
           <p:nvPr>
             <p:ph idx="2" type="sldImg"/>
@@ -1221,7 +1424,7 @@
             </a:pPr>
             <a:r>
               <a:rPr lang="en"/>
-              <a:t>The Oceanic Indexes (El Nino/La Nina) have to be read as one year AHEAD of coffee prices. For instance, we see that there is a spike in price from 2008-2011. If we look at the graph on the left, we are going to look at the years 2007-2010 to see what was going on. In 2007, there was a significant drop between warm, rainy weather (caused by El Nino) and cool, dry weather (La Nina). Due to this drastic change, plus seeing that La Nina was prevalent for the next three years, this caused a </a:t>
+              <a:t>The Oceanic Indexes (El Nino/La Nina) have to be read as one year AHEAD of coffee prices. For instance, we see that there is a spike in price from 2008-2011. If we look at the graph on the left, we are going to look at the years 2007-2010 to see what was going on. In 2007, there was a significant drop between warm, rainy weather (caused by El Nino) and cool, dry weather (La Nina). Due to this drastic change, plus seeing that La Nina was prevalent for the next three years, this caused a notable drop in supply of beans, causing the uprise in prices over the next 3 years. Similarly, we can see that prices were at an all-time low from 2001-2003. Looking at the indexes from 2000-2002, we can see the indexes are closer to 0°C, meaning that the weather was more stable. Due to this stability, farms were not greatly impacted, allowing for greater yields in crop. Greater yields means that there was plenty of beans to go around, decreasing the price from the previous years.</a:t>
             </a:r>
             <a:endParaRPr/>
           </a:p>
@@ -1339,7 +1542,7 @@
   <p:cSld>
     <p:spTree>
       <p:nvGrpSpPr>
-        <p:cNvPr id="360" name="Shape 360"/>
+        <p:cNvPr id="362" name="Shape 362"/>
         <p:cNvGrpSpPr/>
         <p:nvPr/>
       </p:nvGrpSpPr>
@@ -1353,7 +1556,7 @@
       </p:grpSpPr>
       <p:sp>
         <p:nvSpPr>
-          <p:cNvPr id="361" name="Google Shape;361;g2654c14624c_0_0:notes"/>
+          <p:cNvPr id="363" name="Google Shape;363;g2ae002e5b51_0_26:notes"/>
           <p:cNvSpPr/>
           <p:nvPr>
             <p:ph idx="2" type="sldImg"/>
@@ -1388,7 +1591,304 @@
       </p:sp>
       <p:sp>
         <p:nvSpPr>
-          <p:cNvPr id="362" name="Google Shape;362;g2654c14624c_0_0:notes"/>
+          <p:cNvPr id="364" name="Google Shape;364;g2ae002e5b51_0_26:notes"/>
+          <p:cNvSpPr txBox="1"/>
+          <p:nvPr>
+            <p:ph idx="1" type="body"/>
+          </p:nvPr>
+        </p:nvSpPr>
+        <p:spPr>
+          <a:xfrm>
+            <a:off x="685800" y="4343400"/>
+            <a:ext cx="5486400" cy="4114800"/>
+          </a:xfrm>
+          <a:prstGeom prst="rect">
+            <a:avLst/>
+          </a:prstGeom>
+        </p:spPr>
+        <p:txBody>
+          <a:bodyPr anchorCtr="0" anchor="t" bIns="91425" lIns="91425" spcFirstLastPara="1" rIns="91425" wrap="square" tIns="91425">
+            <a:noAutofit/>
+          </a:bodyPr>
+          <a:lstStyle/>
+          <a:p>
+            <a:pPr indent="0" lvl="0" marL="0" rtl="0" algn="l">
+              <a:spcBef>
+                <a:spcPts val="0"/>
+              </a:spcBef>
+              <a:spcAft>
+                <a:spcPts val="0"/>
+              </a:spcAft>
+              <a:buNone/>
+            </a:pPr>
+            <a:r>
+              <a:t/>
+            </a:r>
+            <a:endParaRPr/>
+          </a:p>
+        </p:txBody>
+      </p:sp>
+    </p:spTree>
+  </p:cSld>
+  <p:clrMapOvr>
+    <a:masterClrMapping/>
+  </p:clrMapOvr>
+</p:notes>
+</file>
+
+<file path=ppt/notesSlides/notesSlide16.xml><?xml version="1.0" encoding="utf-8"?>
+<p:notes xmlns:a="http://schemas.openxmlformats.org/drawingml/2006/main" xmlns:r="http://schemas.openxmlformats.org/officeDocument/2006/relationships" xmlns:mc="http://schemas.openxmlformats.org/markup-compatibility/2006" xmlns:mv="urn:schemas-microsoft-com:mac:vml" xmlns:p="http://schemas.openxmlformats.org/presentationml/2006/main" xmlns:c="http://schemas.openxmlformats.org/drawingml/2006/chart" xmlns:dgm="http://schemas.openxmlformats.org/drawingml/2006/diagram" xmlns:o="urn:schemas-microsoft-com:office:office" xmlns:v="urn:schemas-microsoft-com:vml" xmlns:pvml="urn:schemas-microsoft-com:office:powerpoint" xmlns:com="http://schemas.openxmlformats.org/drawingml/2006/compatibility" xmlns:p14="http://schemas.microsoft.com/office/powerpoint/2010/main" xmlns:p15="http://schemas.microsoft.com/office/powerpoint/2012/main" xmlns:ahyp="http://schemas.microsoft.com/office/drawing/2018/hyperlinkcolor" showMasterPhAnim="0" showMasterSp="0">
+  <p:cSld>
+    <p:spTree>
+      <p:nvGrpSpPr>
+        <p:cNvPr id="371" name="Shape 371"/>
+        <p:cNvGrpSpPr/>
+        <p:nvPr/>
+      </p:nvGrpSpPr>
+      <p:grpSpPr>
+        <a:xfrm>
+          <a:off x="0" y="0"/>
+          <a:ext cx="0" cy="0"/>
+          <a:chOff x="0" y="0"/>
+          <a:chExt cx="0" cy="0"/>
+        </a:xfrm>
+      </p:grpSpPr>
+      <p:sp>
+        <p:nvSpPr>
+          <p:cNvPr id="372" name="Google Shape;372;g2ae002e5b51_0_5:notes"/>
+          <p:cNvSpPr/>
+          <p:nvPr>
+            <p:ph idx="2" type="sldImg"/>
+          </p:nvPr>
+        </p:nvSpPr>
+        <p:spPr>
+          <a:xfrm>
+            <a:off x="381300" y="685800"/>
+            <a:ext cx="6096000" cy="3429000"/>
+          </a:xfrm>
+          <a:custGeom>
+            <a:rect b="b" l="l" r="r" t="t"/>
+            <a:pathLst>
+              <a:path extrusionOk="0" h="120000" w="120000">
+                <a:moveTo>
+                  <a:pt x="0" y="0"/>
+                </a:moveTo>
+                <a:lnTo>
+                  <a:pt x="120000" y="0"/>
+                </a:lnTo>
+                <a:lnTo>
+                  <a:pt x="120000" y="120000"/>
+                </a:lnTo>
+                <a:lnTo>
+                  <a:pt x="0" y="120000"/>
+                </a:lnTo>
+                <a:close/>
+              </a:path>
+            </a:pathLst>
+          </a:custGeom>
+        </p:spPr>
+      </p:sp>
+      <p:sp>
+        <p:nvSpPr>
+          <p:cNvPr id="373" name="Google Shape;373;g2ae002e5b51_0_5:notes"/>
+          <p:cNvSpPr txBox="1"/>
+          <p:nvPr>
+            <p:ph idx="1" type="body"/>
+          </p:nvPr>
+        </p:nvSpPr>
+        <p:spPr>
+          <a:xfrm>
+            <a:off x="685800" y="4343400"/>
+            <a:ext cx="5486400" cy="4114800"/>
+          </a:xfrm>
+          <a:prstGeom prst="rect">
+            <a:avLst/>
+          </a:prstGeom>
+        </p:spPr>
+        <p:txBody>
+          <a:bodyPr anchorCtr="0" anchor="t" bIns="91425" lIns="91425" spcFirstLastPara="1" rIns="91425" wrap="square" tIns="91425">
+            <a:noAutofit/>
+          </a:bodyPr>
+          <a:lstStyle/>
+          <a:p>
+            <a:pPr indent="0" lvl="0" marL="0" rtl="0" algn="l">
+              <a:spcBef>
+                <a:spcPts val="0"/>
+              </a:spcBef>
+              <a:spcAft>
+                <a:spcPts val="0"/>
+              </a:spcAft>
+              <a:buNone/>
+            </a:pPr>
+            <a:r>
+              <a:t/>
+            </a:r>
+            <a:endParaRPr/>
+          </a:p>
+        </p:txBody>
+      </p:sp>
+    </p:spTree>
+  </p:cSld>
+  <p:clrMapOvr>
+    <a:masterClrMapping/>
+  </p:clrMapOvr>
+</p:notes>
+</file>
+
+<file path=ppt/notesSlides/notesSlide17.xml><?xml version="1.0" encoding="utf-8"?>
+<p:notes xmlns:a="http://schemas.openxmlformats.org/drawingml/2006/main" xmlns:r="http://schemas.openxmlformats.org/officeDocument/2006/relationships" xmlns:mc="http://schemas.openxmlformats.org/markup-compatibility/2006" xmlns:mv="urn:schemas-microsoft-com:mac:vml" xmlns:p="http://schemas.openxmlformats.org/presentationml/2006/main" xmlns:c="http://schemas.openxmlformats.org/drawingml/2006/chart" xmlns:dgm="http://schemas.openxmlformats.org/drawingml/2006/diagram" xmlns:o="urn:schemas-microsoft-com:office:office" xmlns:v="urn:schemas-microsoft-com:vml" xmlns:pvml="urn:schemas-microsoft-com:office:powerpoint" xmlns:com="http://schemas.openxmlformats.org/drawingml/2006/compatibility" xmlns:p14="http://schemas.microsoft.com/office/powerpoint/2010/main" xmlns:p15="http://schemas.microsoft.com/office/powerpoint/2012/main" xmlns:ahyp="http://schemas.microsoft.com/office/drawing/2018/hyperlinkcolor" showMasterPhAnim="0" showMasterSp="0">
+  <p:cSld>
+    <p:spTree>
+      <p:nvGrpSpPr>
+        <p:cNvPr id="380" name="Shape 380"/>
+        <p:cNvGrpSpPr/>
+        <p:nvPr/>
+      </p:nvGrpSpPr>
+      <p:grpSpPr>
+        <a:xfrm>
+          <a:off x="0" y="0"/>
+          <a:ext cx="0" cy="0"/>
+          <a:chOff x="0" y="0"/>
+          <a:chExt cx="0" cy="0"/>
+        </a:xfrm>
+      </p:grpSpPr>
+      <p:sp>
+        <p:nvSpPr>
+          <p:cNvPr id="381" name="Google Shape;381;g2654c14624c_0_0:notes"/>
+          <p:cNvSpPr/>
+          <p:nvPr>
+            <p:ph idx="2" type="sldImg"/>
+          </p:nvPr>
+        </p:nvSpPr>
+        <p:spPr>
+          <a:xfrm>
+            <a:off x="381300" y="685800"/>
+            <a:ext cx="6096000" cy="3429000"/>
+          </a:xfrm>
+          <a:custGeom>
+            <a:rect b="b" l="l" r="r" t="t"/>
+            <a:pathLst>
+              <a:path extrusionOk="0" h="120000" w="120000">
+                <a:moveTo>
+                  <a:pt x="0" y="0"/>
+                </a:moveTo>
+                <a:lnTo>
+                  <a:pt x="120000" y="0"/>
+                </a:lnTo>
+                <a:lnTo>
+                  <a:pt x="120000" y="120000"/>
+                </a:lnTo>
+                <a:lnTo>
+                  <a:pt x="0" y="120000"/>
+                </a:lnTo>
+                <a:close/>
+              </a:path>
+            </a:pathLst>
+          </a:custGeom>
+        </p:spPr>
+      </p:sp>
+      <p:sp>
+        <p:nvSpPr>
+          <p:cNvPr id="382" name="Google Shape;382;g2654c14624c_0_0:notes"/>
+          <p:cNvSpPr txBox="1"/>
+          <p:nvPr>
+            <p:ph idx="1" type="body"/>
+          </p:nvPr>
+        </p:nvSpPr>
+        <p:spPr>
+          <a:xfrm>
+            <a:off x="685800" y="4343400"/>
+            <a:ext cx="5486400" cy="4114800"/>
+          </a:xfrm>
+          <a:prstGeom prst="rect">
+            <a:avLst/>
+          </a:prstGeom>
+        </p:spPr>
+        <p:txBody>
+          <a:bodyPr anchorCtr="0" anchor="t" bIns="91425" lIns="91425" spcFirstLastPara="1" rIns="91425" wrap="square" tIns="91425">
+            <a:noAutofit/>
+          </a:bodyPr>
+          <a:lstStyle/>
+          <a:p>
+            <a:pPr indent="0" lvl="0" marL="0" rtl="0" algn="l">
+              <a:spcBef>
+                <a:spcPts val="0"/>
+              </a:spcBef>
+              <a:spcAft>
+                <a:spcPts val="0"/>
+              </a:spcAft>
+              <a:buNone/>
+            </a:pPr>
+            <a:r>
+              <a:t/>
+            </a:r>
+            <a:endParaRPr/>
+          </a:p>
+        </p:txBody>
+      </p:sp>
+    </p:spTree>
+  </p:cSld>
+  <p:clrMapOvr>
+    <a:masterClrMapping/>
+  </p:clrMapOvr>
+</p:notes>
+</file>
+
+<file path=ppt/notesSlides/notesSlide18.xml><?xml version="1.0" encoding="utf-8"?>
+<p:notes xmlns:a="http://schemas.openxmlformats.org/drawingml/2006/main" xmlns:r="http://schemas.openxmlformats.org/officeDocument/2006/relationships" xmlns:mc="http://schemas.openxmlformats.org/markup-compatibility/2006" xmlns:mv="urn:schemas-microsoft-com:mac:vml" xmlns:p="http://schemas.openxmlformats.org/presentationml/2006/main" xmlns:c="http://schemas.openxmlformats.org/drawingml/2006/chart" xmlns:dgm="http://schemas.openxmlformats.org/drawingml/2006/diagram" xmlns:o="urn:schemas-microsoft-com:office:office" xmlns:v="urn:schemas-microsoft-com:vml" xmlns:pvml="urn:schemas-microsoft-com:office:powerpoint" xmlns:com="http://schemas.openxmlformats.org/drawingml/2006/compatibility" xmlns:p14="http://schemas.microsoft.com/office/powerpoint/2010/main" xmlns:p15="http://schemas.microsoft.com/office/powerpoint/2012/main" xmlns:ahyp="http://schemas.microsoft.com/office/drawing/2018/hyperlinkcolor" showMasterPhAnim="0" showMasterSp="0">
+  <p:cSld>
+    <p:spTree>
+      <p:nvGrpSpPr>
+        <p:cNvPr id="386" name="Shape 386"/>
+        <p:cNvGrpSpPr/>
+        <p:nvPr/>
+      </p:nvGrpSpPr>
+      <p:grpSpPr>
+        <a:xfrm>
+          <a:off x="0" y="0"/>
+          <a:ext cx="0" cy="0"/>
+          <a:chOff x="0" y="0"/>
+          <a:chExt cx="0" cy="0"/>
+        </a:xfrm>
+      </p:grpSpPr>
+      <p:sp>
+        <p:nvSpPr>
+          <p:cNvPr id="387" name="Google Shape;387;g2ae002e5b51_0_51:notes"/>
+          <p:cNvSpPr/>
+          <p:nvPr>
+            <p:ph idx="2" type="sldImg"/>
+          </p:nvPr>
+        </p:nvSpPr>
+        <p:spPr>
+          <a:xfrm>
+            <a:off x="381300" y="685800"/>
+            <a:ext cx="6096000" cy="3429000"/>
+          </a:xfrm>
+          <a:custGeom>
+            <a:rect b="b" l="l" r="r" t="t"/>
+            <a:pathLst>
+              <a:path extrusionOk="0" h="120000" w="120000">
+                <a:moveTo>
+                  <a:pt x="0" y="0"/>
+                </a:moveTo>
+                <a:lnTo>
+                  <a:pt x="120000" y="0"/>
+                </a:lnTo>
+                <a:lnTo>
+                  <a:pt x="120000" y="120000"/>
+                </a:lnTo>
+                <a:lnTo>
+                  <a:pt x="0" y="120000"/>
+                </a:lnTo>
+                <a:close/>
+              </a:path>
+            </a:pathLst>
+          </a:custGeom>
+        </p:spPr>
+      </p:sp>
+      <p:sp>
+        <p:nvSpPr>
+          <p:cNvPr id="388" name="Google Shape;388;g2ae002e5b51_0_51:notes"/>
           <p:cNvSpPr txBox="1"/>
           <p:nvPr>
             <p:ph idx="1" type="body"/>
@@ -1537,7 +2037,7 @@
   <p:cSld>
     <p:spTree>
       <p:nvGrpSpPr>
-        <p:cNvPr id="268" name="Shape 268"/>
+        <p:cNvPr id="267" name="Shape 267"/>
         <p:cNvGrpSpPr/>
         <p:nvPr/>
       </p:nvGrpSpPr>
@@ -1551,7 +2051,7 @@
       </p:grpSpPr>
       <p:sp>
         <p:nvSpPr>
-          <p:cNvPr id="269" name="Google Shape;269;g2ad83fcf0fa_0_12:notes"/>
+          <p:cNvPr id="268" name="Google Shape;268;g2ad83fcf0fa_0_12:notes"/>
           <p:cNvSpPr/>
           <p:nvPr>
             <p:ph idx="2" type="sldImg"/>
@@ -1586,7 +2086,7 @@
       </p:sp>
       <p:sp>
         <p:nvSpPr>
-          <p:cNvPr id="270" name="Google Shape;270;g2ad83fcf0fa_0_12:notes"/>
+          <p:cNvPr id="269" name="Google Shape;269;g2ad83fcf0fa_0_12:notes"/>
           <p:cNvSpPr txBox="1"/>
           <p:nvPr>
             <p:ph idx="1" type="body"/>
@@ -1645,7 +2145,7 @@
   <p:cSld>
     <p:spTree>
       <p:nvGrpSpPr>
-        <p:cNvPr id="274" name="Shape 274"/>
+        <p:cNvPr id="273" name="Shape 273"/>
         <p:cNvGrpSpPr/>
         <p:nvPr/>
       </p:nvGrpSpPr>
@@ -1659,7 +2159,7 @@
       </p:grpSpPr>
       <p:sp>
         <p:nvSpPr>
-          <p:cNvPr id="275" name="Google Shape;275;g2ac26989787_1_193:notes"/>
+          <p:cNvPr id="274" name="Google Shape;274;g2ac26989787_1_193:notes"/>
           <p:cNvSpPr txBox="1"/>
           <p:nvPr>
             <p:ph idx="1" type="body"/>
@@ -1750,7 +2250,7 @@
       </p:sp>
       <p:sp>
         <p:nvSpPr>
-          <p:cNvPr id="276" name="Google Shape;276;g2ac26989787_1_193:notes"/>
+          <p:cNvPr id="275" name="Google Shape;275;g2ac26989787_1_193:notes"/>
           <p:cNvSpPr/>
           <p:nvPr>
             <p:ph idx="2" type="sldImg"/>
@@ -1796,7 +2296,7 @@
   <p:cSld>
     <p:spTree>
       <p:nvGrpSpPr>
-        <p:cNvPr id="282" name="Shape 282"/>
+        <p:cNvPr id="281" name="Shape 281"/>
         <p:cNvGrpSpPr/>
         <p:nvPr/>
       </p:nvGrpSpPr>
@@ -1810,7 +2310,7 @@
       </p:grpSpPr>
       <p:sp>
         <p:nvSpPr>
-          <p:cNvPr id="283" name="Google Shape;283;g2ad83fcf0fa_0_4:notes"/>
+          <p:cNvPr id="282" name="Google Shape;282;g2ad83fcf0fa_0_4:notes"/>
           <p:cNvSpPr/>
           <p:nvPr>
             <p:ph idx="2" type="sldImg"/>
@@ -1845,7 +2345,7 @@
       </p:sp>
       <p:sp>
         <p:nvSpPr>
-          <p:cNvPr id="284" name="Google Shape;284;g2ad83fcf0fa_0_4:notes"/>
+          <p:cNvPr id="283" name="Google Shape;283;g2ad83fcf0fa_0_4:notes"/>
           <p:cNvSpPr txBox="1"/>
           <p:nvPr>
             <p:ph idx="1" type="body"/>
@@ -1929,7 +2429,7 @@
   <p:cSld>
     <p:spTree>
       <p:nvGrpSpPr>
-        <p:cNvPr id="290" name="Shape 290"/>
+        <p:cNvPr id="289" name="Shape 289"/>
         <p:cNvGrpSpPr/>
         <p:nvPr/>
       </p:nvGrpSpPr>
@@ -1943,7 +2443,7 @@
       </p:grpSpPr>
       <p:sp>
         <p:nvSpPr>
-          <p:cNvPr id="291" name="Google Shape;291;g2ac26989787_1_174:notes"/>
+          <p:cNvPr id="290" name="Google Shape;290;g2ac26989787_1_174:notes"/>
           <p:cNvSpPr txBox="1"/>
           <p:nvPr>
             <p:ph idx="1" type="body"/>
@@ -1965,24 +2465,41 @@
           <a:lstStyle/>
           <a:p>
             <a:pPr indent="0" lvl="0" marL="0" rtl="0" algn="l">
-              <a:spcBef>
-                <a:spcPts val="0"/>
-              </a:spcBef>
-              <a:spcAft>
-                <a:spcPts val="0"/>
-              </a:spcAft>
+              <a:lnSpc>
+                <a:spcPct val="150000"/>
+              </a:lnSpc>
+              <a:spcBef>
+                <a:spcPts val="800"/>
+              </a:spcBef>
+              <a:spcAft>
+                <a:spcPts val="0"/>
+              </a:spcAft>
+              <a:buClr>
+                <a:schemeClr val="lt1"/>
+              </a:buClr>
+              <a:buSzPts val="2300"/>
+              <a:buFont typeface="Arial"/>
               <a:buNone/>
             </a:pPr>
             <a:r>
-              <a:t/>
+              <a:rPr lang="en" sz="1300">
+                <a:solidFill>
+                  <a:schemeClr val="dk1"/>
+                </a:solidFill>
+              </a:rPr>
+              <a:t>There are many different varieties and cultivars of the beans above, which have been bred to create hardier genes so that the plants can withstand harsher climates, allowing the cultivation of coffee beans worldwide.</a:t>
             </a:r>
-            <a:endParaRPr/>
+            <a:endParaRPr sz="100">
+              <a:solidFill>
+                <a:schemeClr val="dk1"/>
+              </a:solidFill>
+            </a:endParaRPr>
           </a:p>
         </p:txBody>
       </p:sp>
       <p:sp>
         <p:nvSpPr>
-          <p:cNvPr id="292" name="Google Shape;292;g2ac26989787_1_174:notes"/>
+          <p:cNvPr id="291" name="Google Shape;291;g2ac26989787_1_174:notes"/>
           <p:cNvSpPr/>
           <p:nvPr>
             <p:ph idx="2" type="sldImg"/>
@@ -2028,7 +2545,7 @@
   <p:cSld>
     <p:spTree>
       <p:nvGrpSpPr>
-        <p:cNvPr id="297" name="Shape 297"/>
+        <p:cNvPr id="296" name="Shape 296"/>
         <p:cNvGrpSpPr/>
         <p:nvPr/>
       </p:nvGrpSpPr>
@@ -2042,7 +2559,7 @@
       </p:grpSpPr>
       <p:sp>
         <p:nvSpPr>
-          <p:cNvPr id="298" name="Google Shape;298;g2ac26989787_1_181:notes"/>
+          <p:cNvPr id="297" name="Google Shape;297;g2ac26989787_1_181:notes"/>
           <p:cNvSpPr txBox="1"/>
           <p:nvPr>
             <p:ph idx="1" type="body"/>
@@ -2106,7 +2623,7 @@
       </p:sp>
       <p:sp>
         <p:nvSpPr>
-          <p:cNvPr id="299" name="Google Shape;299;g2ac26989787_1_181:notes"/>
+          <p:cNvPr id="298" name="Google Shape;298;g2ac26989787_1_181:notes"/>
           <p:cNvSpPr/>
           <p:nvPr>
             <p:ph idx="2" type="sldImg"/>
@@ -2152,7 +2669,7 @@
   <p:cSld>
     <p:spTree>
       <p:nvGrpSpPr>
-        <p:cNvPr id="304" name="Shape 304"/>
+        <p:cNvPr id="303" name="Shape 303"/>
         <p:cNvGrpSpPr/>
         <p:nvPr/>
       </p:nvGrpSpPr>
@@ -2166,7 +2683,7 @@
       </p:grpSpPr>
       <p:sp>
         <p:nvSpPr>
-          <p:cNvPr id="305" name="Google Shape;305;g2ad83fcf0fa_0_17:notes"/>
+          <p:cNvPr id="304" name="Google Shape;304;g2ad83fcf0fa_0_17:notes"/>
           <p:cNvSpPr/>
           <p:nvPr>
             <p:ph idx="2" type="sldImg"/>
@@ -2201,7 +2718,7 @@
       </p:sp>
       <p:sp>
         <p:nvSpPr>
-          <p:cNvPr id="306" name="Google Shape;306;g2ad83fcf0fa_0_17:notes"/>
+          <p:cNvPr id="305" name="Google Shape;305;g2ad83fcf0fa_0_17:notes"/>
           <p:cNvSpPr txBox="1"/>
           <p:nvPr>
             <p:ph idx="1" type="body"/>
@@ -2233,7 +2750,15 @@
             </a:pPr>
             <a:r>
               <a:rPr lang="en"/>
-              <a:t>This shows where each species of coffee bean is grown - the size of each dot represents the size in production. We can conclude that Arabica beans are more widely produced versus Robusta.</a:t>
+              <a:t>This map shows where each species of coffee bean is grown - the size of each dot is relative to the size in production across the countries. We can conclude that Arabica beans are more widely produced versus Robusta. </a:t>
+            </a:r>
+            <a:r>
+              <a:rPr lang="en"/>
+              <a:t>Coffee</a:t>
+            </a:r>
+            <a:r>
+              <a:rPr lang="en"/>
+              <a:t> farms are located closer to the equator due to their stringent growth requirements. </a:t>
             </a:r>
             <a:endParaRPr/>
           </a:p>
@@ -2252,7 +2777,7 @@
   <p:cSld>
     <p:spTree>
       <p:nvGrpSpPr>
-        <p:cNvPr id="311" name="Shape 311"/>
+        <p:cNvPr id="310" name="Shape 310"/>
         <p:cNvGrpSpPr/>
         <p:nvPr/>
       </p:nvGrpSpPr>
@@ -2266,7 +2791,7 @@
       </p:grpSpPr>
       <p:sp>
         <p:nvSpPr>
-          <p:cNvPr id="312" name="Google Shape;312;g2ac26989787_1_206:notes"/>
+          <p:cNvPr id="311" name="Google Shape;311;g2ac26989787_1_206:notes"/>
           <p:cNvSpPr txBox="1"/>
           <p:nvPr>
             <p:ph idx="1" type="body"/>
@@ -2305,7 +2830,7 @@
       </p:sp>
       <p:sp>
         <p:nvSpPr>
-          <p:cNvPr id="313" name="Google Shape;313;g2ac26989787_1_206:notes"/>
+          <p:cNvPr id="312" name="Google Shape;312;g2ac26989787_1_206:notes"/>
           <p:cNvSpPr/>
           <p:nvPr>
             <p:ph idx="2" type="sldImg"/>
@@ -33735,7 +34260,7 @@
   <p:cSld>
     <p:spTree>
       <p:nvGrpSpPr>
-        <p:cNvPr id="322" name="Shape 322"/>
+        <p:cNvPr id="321" name="Shape 321"/>
         <p:cNvGrpSpPr/>
         <p:nvPr/>
       </p:nvGrpSpPr>
@@ -33749,7 +34274,7 @@
       </p:grpSpPr>
       <p:sp>
         <p:nvSpPr>
-          <p:cNvPr id="323" name="Google Shape;323;p40"/>
+          <p:cNvPr id="322" name="Google Shape;322;p40"/>
           <p:cNvSpPr txBox="1"/>
           <p:nvPr>
             <p:ph type="title"/>
@@ -33801,7 +34326,7 @@
       </p:sp>
       <p:sp>
         <p:nvSpPr>
-          <p:cNvPr id="324" name="Google Shape;324;p40"/>
+          <p:cNvPr id="323" name="Google Shape;323;p40"/>
           <p:cNvSpPr txBox="1"/>
           <p:nvPr>
             <p:ph idx="12" type="sldNum"/>
@@ -33845,7 +34370,7 @@
       </p:sp>
       <p:pic>
         <p:nvPicPr>
-          <p:cNvPr id="325" name="Google Shape;325;p40"/>
+          <p:cNvPr id="324" name="Google Shape;324;p40"/>
           <p:cNvPicPr preferRelativeResize="0"/>
           <p:nvPr/>
         </p:nvPicPr>
@@ -33891,7 +34416,7 @@
   <p:cSld>
     <p:spTree>
       <p:nvGrpSpPr>
-        <p:cNvPr id="329" name="Shape 329"/>
+        <p:cNvPr id="328" name="Shape 328"/>
         <p:cNvGrpSpPr/>
         <p:nvPr/>
       </p:nvGrpSpPr>
@@ -33905,7 +34430,7 @@
       </p:grpSpPr>
       <p:sp>
         <p:nvSpPr>
-          <p:cNvPr id="330" name="Google Shape;330;p41"/>
+          <p:cNvPr id="329" name="Google Shape;329;p41"/>
           <p:cNvSpPr txBox="1"/>
           <p:nvPr>
             <p:ph type="title"/>
@@ -33957,7 +34482,7 @@
       </p:sp>
       <p:sp>
         <p:nvSpPr>
-          <p:cNvPr id="331" name="Google Shape;331;p41"/>
+          <p:cNvPr id="330" name="Google Shape;330;p41"/>
           <p:cNvSpPr txBox="1"/>
           <p:nvPr>
             <p:ph idx="4" type="body"/>
@@ -34098,7 +34623,7 @@
       </p:sp>
       <p:sp>
         <p:nvSpPr>
-          <p:cNvPr id="332" name="Google Shape;332;p41"/>
+          <p:cNvPr id="331" name="Google Shape;331;p41"/>
           <p:cNvSpPr txBox="1"/>
           <p:nvPr>
             <p:ph idx="12" type="sldNum"/>
@@ -34142,7 +34667,7 @@
       </p:sp>
       <p:pic>
         <p:nvPicPr>
-          <p:cNvPr id="333" name="Google Shape;333;p41"/>
+          <p:cNvPr id="332" name="Google Shape;332;p41"/>
           <p:cNvPicPr preferRelativeResize="0"/>
           <p:nvPr/>
         </p:nvPicPr>
@@ -34155,7 +34680,7 @@
         </p:blipFill>
         <p:spPr>
           <a:xfrm>
-            <a:off x="2320500" y="2534800"/>
+            <a:off x="2290738" y="2541950"/>
             <a:ext cx="332550" cy="376900"/>
           </a:xfrm>
           <a:prstGeom prst="rect">
@@ -34169,7 +34694,7 @@
       </p:pic>
       <p:pic>
         <p:nvPicPr>
-          <p:cNvPr id="334" name="Google Shape;334;p41"/>
+          <p:cNvPr id="333" name="Google Shape;333;p41"/>
           <p:cNvPicPr preferRelativeResize="0"/>
           <p:nvPr/>
         </p:nvPicPr>
@@ -34208,7 +34733,7 @@
   <p:cSld>
     <p:spTree>
       <p:nvGrpSpPr>
-        <p:cNvPr id="338" name="Shape 338"/>
+        <p:cNvPr id="337" name="Shape 337"/>
         <p:cNvGrpSpPr/>
         <p:nvPr/>
       </p:nvGrpSpPr>
@@ -34222,7 +34747,7 @@
       </p:grpSpPr>
       <p:sp>
         <p:nvSpPr>
-          <p:cNvPr id="339" name="Google Shape;339;p42"/>
+          <p:cNvPr id="338" name="Google Shape;338;p42"/>
           <p:cNvSpPr txBox="1"/>
           <p:nvPr>
             <p:ph type="title"/>
@@ -34266,7 +34791,7 @@
             </a:pPr>
             <a:r>
               <a:rPr lang="en"/>
-              <a:t>Interpreting El Nino/La Nina</a:t>
+              <a:t>Interpreting El Nino &amp; La Nina</a:t>
             </a:r>
             <a:endParaRPr/>
           </a:p>
@@ -34274,7 +34799,7 @@
       </p:sp>
       <p:sp>
         <p:nvSpPr>
-          <p:cNvPr id="340" name="Google Shape;340;p42"/>
+          <p:cNvPr id="339" name="Google Shape;339;p42"/>
           <p:cNvSpPr txBox="1"/>
           <p:nvPr>
             <p:ph idx="12" type="sldNum"/>
@@ -34318,7 +34843,7 @@
       </p:sp>
       <p:pic>
         <p:nvPicPr>
-          <p:cNvPr id="341" name="Google Shape;341;p42"/>
+          <p:cNvPr id="340" name="Google Shape;340;p42"/>
           <p:cNvPicPr preferRelativeResize="0"/>
           <p:nvPr/>
         </p:nvPicPr>
@@ -34332,43 +34857,8 @@
         </p:blipFill>
         <p:spPr>
           <a:xfrm>
-            <a:off x="108200" y="1268000"/>
+            <a:off x="101075" y="932700"/>
             <a:ext cx="4939900" cy="2963951"/>
-          </a:xfrm>
-          <a:prstGeom prst="rect">
-            <a:avLst/>
-          </a:prstGeom>
-          <a:noFill/>
-          <a:ln>
-            <a:noFill/>
-          </a:ln>
-          <a:effectLst>
-            <a:outerShdw blurRad="57150" rotWithShape="0" algn="bl" dir="5400000" dist="19050">
-              <a:srgbClr val="000000">
-                <a:alpha val="50000"/>
-              </a:srgbClr>
-            </a:outerShdw>
-          </a:effectLst>
-        </p:spPr>
-      </p:pic>
-      <p:pic>
-        <p:nvPicPr>
-          <p:cNvPr id="342" name="Google Shape;342;p42"/>
-          <p:cNvPicPr preferRelativeResize="0"/>
-          <p:nvPr/>
-        </p:nvPicPr>
-        <p:blipFill>
-          <a:blip r:embed="rId4">
-            <a:alphaModFix/>
-          </a:blip>
-          <a:stretch>
-            <a:fillRect/>
-          </a:stretch>
-        </p:blipFill>
-        <p:spPr>
-          <a:xfrm>
-            <a:off x="5535400" y="1642937"/>
-            <a:ext cx="3216275" cy="2213350"/>
           </a:xfrm>
           <a:prstGeom prst="rect">
             <a:avLst/>
@@ -34388,14 +34878,14 @@
       </p:pic>
       <p:cxnSp>
         <p:nvCxnSpPr>
-          <p:cNvPr id="343" name="Google Shape;343;p42"/>
+          <p:cNvPr id="341" name="Google Shape;341;p42"/>
           <p:cNvCxnSpPr/>
           <p:nvPr/>
         </p:nvCxnSpPr>
         <p:spPr>
           <a:xfrm>
-            <a:off x="5332875" y="1137875"/>
-            <a:ext cx="0" cy="3571200"/>
+            <a:off x="5211988" y="779225"/>
+            <a:ext cx="6600" cy="3270900"/>
           </a:xfrm>
           <a:prstGeom prst="straightConnector1">
             <a:avLst/>
@@ -34414,13 +34904,13 @@
       </p:cxnSp>
       <p:sp>
         <p:nvSpPr>
-          <p:cNvPr id="344" name="Google Shape;344;p42"/>
+          <p:cNvPr id="342" name="Google Shape;342;p42"/>
           <p:cNvSpPr txBox="1"/>
           <p:nvPr/>
         </p:nvSpPr>
         <p:spPr>
           <a:xfrm>
-            <a:off x="5567038" y="1178975"/>
+            <a:off x="5531363" y="829750"/>
             <a:ext cx="3153000" cy="356400"/>
           </a:xfrm>
           <a:prstGeom prst="rect">
@@ -34455,6 +34945,116 @@
               <a:t>Total and Distribution of Oceanic Indexes</a:t>
             </a:r>
             <a:endParaRPr sz="1300">
+              <a:solidFill>
+                <a:schemeClr val="dk1"/>
+              </a:solidFill>
+            </a:endParaRPr>
+          </a:p>
+        </p:txBody>
+      </p:sp>
+      <p:pic>
+        <p:nvPicPr>
+          <p:cNvPr id="343" name="Google Shape;343;p42"/>
+          <p:cNvPicPr preferRelativeResize="0"/>
+          <p:nvPr/>
+        </p:nvPicPr>
+        <p:blipFill>
+          <a:blip r:embed="rId4">
+            <a:alphaModFix/>
+          </a:blip>
+          <a:stretch>
+            <a:fillRect/>
+          </a:stretch>
+        </p:blipFill>
+        <p:spPr>
+          <a:xfrm>
+            <a:off x="5389625" y="1283950"/>
+            <a:ext cx="3590925" cy="2362200"/>
+          </a:xfrm>
+          <a:prstGeom prst="rect">
+            <a:avLst/>
+          </a:prstGeom>
+          <a:noFill/>
+          <a:ln>
+            <a:noFill/>
+          </a:ln>
+          <a:effectLst>
+            <a:outerShdw blurRad="57150" rotWithShape="0" algn="bl" dir="5400000" dist="19050">
+              <a:srgbClr val="000000">
+                <a:alpha val="50000"/>
+              </a:srgbClr>
+            </a:outerShdw>
+          </a:effectLst>
+        </p:spPr>
+      </p:pic>
+      <p:sp>
+        <p:nvSpPr>
+          <p:cNvPr id="344" name="Google Shape;344;p42"/>
+          <p:cNvSpPr txBox="1"/>
+          <p:nvPr/>
+        </p:nvSpPr>
+        <p:spPr>
+          <a:xfrm>
+            <a:off x="485100" y="4120632"/>
+            <a:ext cx="8249100" cy="646800"/>
+          </a:xfrm>
+          <a:prstGeom prst="rect">
+            <a:avLst/>
+          </a:prstGeom>
+          <a:noFill/>
+          <a:ln>
+            <a:noFill/>
+          </a:ln>
+        </p:spPr>
+        <p:txBody>
+          <a:bodyPr anchorCtr="0" anchor="t" bIns="91425" lIns="91425" spcFirstLastPara="1" rIns="91425" wrap="square" tIns="91425">
+            <a:noAutofit/>
+          </a:bodyPr>
+          <a:lstStyle/>
+          <a:p>
+            <a:pPr indent="0" lvl="0" marL="0" rtl="0" algn="l">
+              <a:spcBef>
+                <a:spcPts val="0"/>
+              </a:spcBef>
+              <a:spcAft>
+                <a:spcPts val="0"/>
+              </a:spcAft>
+              <a:buNone/>
+            </a:pPr>
+            <a:r>
+              <a:rPr lang="en" sz="1200">
+                <a:solidFill>
+                  <a:schemeClr val="dk1"/>
+                </a:solidFill>
+                <a:highlight>
+                  <a:srgbClr val="FFFFFF"/>
+                </a:highlight>
+              </a:rPr>
+              <a:t>From 1990-2017, El Nino and La Nina was on average relatively </a:t>
+            </a:r>
+            <a:r>
+              <a:rPr lang="en" sz="1200">
+                <a:solidFill>
+                  <a:schemeClr val="dk1"/>
+                </a:solidFill>
+                <a:highlight>
+                  <a:srgbClr val="FFFFFF"/>
+                </a:highlight>
+              </a:rPr>
+              <a:t>Neutral</a:t>
+            </a:r>
+            <a:r>
+              <a:rPr lang="en" sz="1200">
+                <a:solidFill>
+                  <a:schemeClr val="dk1"/>
+                </a:solidFill>
+                <a:highlight>
+                  <a:srgbClr val="FFFFFF"/>
+                </a:highlight>
+              </a:rPr>
+              <a:t>. El Nino was more likely to be Weak with a total of 5 magnitude readings; however, there were to large spikes in 1997 and 2015. While La Nina majority magnitude readings were Neutral with Moderate spikes in 1998-1999, 2007 and 2010.</a:t>
+            </a:r>
+            <a:endParaRPr sz="1200">
               <a:solidFill>
                 <a:schemeClr val="dk1"/>
               </a:solidFill>
@@ -34670,7 +35270,7 @@
             </a:pPr>
             <a:r>
               <a:rPr lang="en"/>
-              <a:t>Bringing it all together - relationships and impacts between indexes and coffee </a:t>
+              <a:t>Relationships Between  Oceanic Indexes and Arabica Coffee Prices</a:t>
             </a:r>
             <a:endParaRPr/>
           </a:p>
@@ -34736,8 +35336,8 @@
         </p:blipFill>
         <p:spPr>
           <a:xfrm>
-            <a:off x="460850" y="1430230"/>
-            <a:ext cx="3880292" cy="3175394"/>
+            <a:off x="138525" y="1090376"/>
+            <a:ext cx="4188742" cy="3141557"/>
           </a:xfrm>
           <a:prstGeom prst="rect">
             <a:avLst/>
@@ -34755,9 +35355,113 @@
           </a:effectLst>
         </p:spPr>
       </p:pic>
+      <p:sp>
+        <p:nvSpPr>
+          <p:cNvPr id="359" name="Google Shape;359;p44"/>
+          <p:cNvSpPr txBox="1"/>
+          <p:nvPr/>
+        </p:nvSpPr>
+        <p:spPr>
+          <a:xfrm>
+            <a:off x="242550" y="4301675"/>
+            <a:ext cx="3980700" cy="599400"/>
+          </a:xfrm>
+          <a:prstGeom prst="rect">
+            <a:avLst/>
+          </a:prstGeom>
+          <a:noFill/>
+          <a:ln>
+            <a:noFill/>
+          </a:ln>
+        </p:spPr>
+        <p:txBody>
+          <a:bodyPr anchorCtr="0" anchor="t" bIns="91425" lIns="91425" spcFirstLastPara="1" rIns="91425" wrap="square" tIns="91425">
+            <a:noAutofit/>
+          </a:bodyPr>
+          <a:lstStyle/>
+          <a:p>
+            <a:pPr indent="0" lvl="0" marL="0" rtl="0" algn="l">
+              <a:spcBef>
+                <a:spcPts val="0"/>
+              </a:spcBef>
+              <a:spcAft>
+                <a:spcPts val="0"/>
+              </a:spcAft>
+              <a:buNone/>
+            </a:pPr>
+            <a:r>
+              <a:rPr lang="en" sz="1000">
+                <a:solidFill>
+                  <a:schemeClr val="dk1"/>
+                </a:solidFill>
+              </a:rPr>
+              <a:t>With an r-value of 0.33, there is a weak positive relationship for as Oceanic waters warm Arabica Prices increase. When Oceanic waters are Neutral Arabica Prices decrease. </a:t>
+            </a:r>
+            <a:endParaRPr sz="1000">
+              <a:solidFill>
+                <a:schemeClr val="dk1"/>
+              </a:solidFill>
+            </a:endParaRPr>
+          </a:p>
+        </p:txBody>
+      </p:sp>
+      <p:sp>
+        <p:nvSpPr>
+          <p:cNvPr id="360" name="Google Shape;360;p44"/>
+          <p:cNvSpPr txBox="1"/>
+          <p:nvPr/>
+        </p:nvSpPr>
+        <p:spPr>
+          <a:xfrm>
+            <a:off x="4572000" y="4278125"/>
+            <a:ext cx="3943200" cy="492600"/>
+          </a:xfrm>
+          <a:prstGeom prst="rect">
+            <a:avLst/>
+          </a:prstGeom>
+          <a:noFill/>
+          <a:ln>
+            <a:noFill/>
+          </a:ln>
+        </p:spPr>
+        <p:txBody>
+          <a:bodyPr anchorCtr="0" anchor="t" bIns="91425" lIns="91425" spcFirstLastPara="1" rIns="91425" wrap="square" tIns="91425">
+            <a:spAutoFit/>
+          </a:bodyPr>
+          <a:lstStyle/>
+          <a:p>
+            <a:pPr indent="0" lvl="0" marL="0" rtl="0" algn="l">
+              <a:spcBef>
+                <a:spcPts val="0"/>
+              </a:spcBef>
+              <a:spcAft>
+                <a:spcPts val="0"/>
+              </a:spcAft>
+              <a:buNone/>
+            </a:pPr>
+            <a:r>
+              <a:rPr lang="en" sz="1000">
+                <a:solidFill>
+                  <a:schemeClr val="dk1"/>
+                </a:solidFill>
+              </a:rPr>
+              <a:t>With an r-value of 0.018, there is a very w</a:t>
+            </a:r>
+            <a:r>
+              <a:rPr lang="en" sz="1000">
+                <a:solidFill>
+                  <a:schemeClr val="dk1"/>
+                </a:solidFill>
+              </a:rPr>
+              <a:t>eak negative relationship for as Oceanic waters cool Arabica Prices increase. </a:t>
+            </a:r>
+            <a:endParaRPr/>
+          </a:p>
+        </p:txBody>
+      </p:sp>
       <p:pic>
         <p:nvPicPr>
-          <p:cNvPr id="359" name="Google Shape;359;p44"/>
+          <p:cNvPr id="361" name="Google Shape;361;p44"/>
           <p:cNvPicPr preferRelativeResize="0"/>
           <p:nvPr/>
         </p:nvPicPr>
@@ -34771,8 +35475,8 @@
         </p:blipFill>
         <p:spPr>
           <a:xfrm>
-            <a:off x="4514100" y="1430225"/>
-            <a:ext cx="4054925" cy="3175400"/>
+            <a:off x="4622351" y="1090375"/>
+            <a:ext cx="4074675" cy="3141550"/>
           </a:xfrm>
           <a:prstGeom prst="rect">
             <a:avLst/>
@@ -34803,7 +35507,7 @@
   <p:cSld>
     <p:spTree>
       <p:nvGrpSpPr>
-        <p:cNvPr id="363" name="Shape 363"/>
+        <p:cNvPr id="365" name="Shape 365"/>
         <p:cNvGrpSpPr/>
         <p:nvPr/>
       </p:nvGrpSpPr>
@@ -34817,7 +35521,495 @@
       </p:grpSpPr>
       <p:sp>
         <p:nvSpPr>
-          <p:cNvPr id="364" name="Google Shape;364;p45"/>
+          <p:cNvPr id="366" name="Google Shape;366;p45"/>
+          <p:cNvSpPr txBox="1"/>
+          <p:nvPr/>
+        </p:nvSpPr>
+        <p:spPr>
+          <a:xfrm>
+            <a:off x="1669325" y="306750"/>
+            <a:ext cx="5657400" cy="766500"/>
+          </a:xfrm>
+          <a:prstGeom prst="rect">
+            <a:avLst/>
+          </a:prstGeom>
+          <a:noFill/>
+          <a:ln>
+            <a:noFill/>
+          </a:ln>
+        </p:spPr>
+        <p:txBody>
+          <a:bodyPr anchorCtr="0" anchor="t" bIns="91425" lIns="91425" spcFirstLastPara="1" rIns="91425" wrap="square" tIns="91425">
+            <a:spAutoFit/>
+          </a:bodyPr>
+          <a:lstStyle/>
+          <a:p>
+            <a:pPr indent="0" lvl="0" marL="0" rtl="0" algn="ctr">
+              <a:lnSpc>
+                <a:spcPct val="90000"/>
+              </a:lnSpc>
+              <a:spcBef>
+                <a:spcPts val="0"/>
+              </a:spcBef>
+              <a:spcAft>
+                <a:spcPts val="0"/>
+              </a:spcAft>
+              <a:buNone/>
+            </a:pPr>
+            <a:r>
+              <a:rPr lang="en" sz="2100">
+                <a:solidFill>
+                  <a:schemeClr val="dk1"/>
+                </a:solidFill>
+              </a:rPr>
+              <a:t>Relationships Between  Oceanic Indexes and Robusta Coffee Prices</a:t>
+            </a:r>
+            <a:endParaRPr sz="2100">
+              <a:solidFill>
+                <a:schemeClr val="dk1"/>
+              </a:solidFill>
+            </a:endParaRPr>
+          </a:p>
+        </p:txBody>
+      </p:sp>
+      <p:pic>
+        <p:nvPicPr>
+          <p:cNvPr id="367" name="Google Shape;367;p45"/>
+          <p:cNvPicPr preferRelativeResize="0"/>
+          <p:nvPr/>
+        </p:nvPicPr>
+        <p:blipFill>
+          <a:blip r:embed="rId3">
+            <a:alphaModFix/>
+          </a:blip>
+          <a:stretch>
+            <a:fillRect/>
+          </a:stretch>
+        </p:blipFill>
+        <p:spPr>
+          <a:xfrm>
+            <a:off x="287375" y="1289850"/>
+            <a:ext cx="3843100" cy="3004725"/>
+          </a:xfrm>
+          <a:prstGeom prst="rect">
+            <a:avLst/>
+          </a:prstGeom>
+          <a:noFill/>
+          <a:ln>
+            <a:noFill/>
+          </a:ln>
+          <a:effectLst>
+            <a:outerShdw blurRad="57150" rotWithShape="0" algn="bl" dir="5400000" dist="19050">
+              <a:srgbClr val="000000">
+                <a:alpha val="50000"/>
+              </a:srgbClr>
+            </a:outerShdw>
+          </a:effectLst>
+        </p:spPr>
+      </p:pic>
+      <p:pic>
+        <p:nvPicPr>
+          <p:cNvPr id="368" name="Google Shape;368;p45"/>
+          <p:cNvPicPr preferRelativeResize="0"/>
+          <p:nvPr/>
+        </p:nvPicPr>
+        <p:blipFill>
+          <a:blip r:embed="rId4">
+            <a:alphaModFix/>
+          </a:blip>
+          <a:stretch>
+            <a:fillRect/>
+          </a:stretch>
+        </p:blipFill>
+        <p:spPr>
+          <a:xfrm>
+            <a:off x="4676477" y="1289850"/>
+            <a:ext cx="4001223" cy="3004725"/>
+          </a:xfrm>
+          <a:prstGeom prst="rect">
+            <a:avLst/>
+          </a:prstGeom>
+          <a:noFill/>
+          <a:ln>
+            <a:noFill/>
+          </a:ln>
+          <a:effectLst>
+            <a:outerShdw blurRad="57150" rotWithShape="0" algn="bl" dir="5400000" dist="19050">
+              <a:srgbClr val="000000">
+                <a:alpha val="50000"/>
+              </a:srgbClr>
+            </a:outerShdw>
+          </a:effectLst>
+        </p:spPr>
+      </p:pic>
+      <p:sp>
+        <p:nvSpPr>
+          <p:cNvPr id="369" name="Google Shape;369;p45"/>
+          <p:cNvSpPr txBox="1"/>
+          <p:nvPr/>
+        </p:nvSpPr>
+        <p:spPr>
+          <a:xfrm>
+            <a:off x="235425" y="4343100"/>
+            <a:ext cx="3894900" cy="646500"/>
+          </a:xfrm>
+          <a:prstGeom prst="rect">
+            <a:avLst/>
+          </a:prstGeom>
+          <a:noFill/>
+          <a:ln>
+            <a:noFill/>
+          </a:ln>
+        </p:spPr>
+        <p:txBody>
+          <a:bodyPr anchorCtr="0" anchor="t" bIns="91425" lIns="91425" spcFirstLastPara="1" rIns="91425" wrap="square" tIns="91425">
+            <a:spAutoFit/>
+          </a:bodyPr>
+          <a:lstStyle/>
+          <a:p>
+            <a:pPr indent="0" lvl="0" marL="0" rtl="0" algn="l">
+              <a:spcBef>
+                <a:spcPts val="0"/>
+              </a:spcBef>
+              <a:spcAft>
+                <a:spcPts val="0"/>
+              </a:spcAft>
+              <a:buNone/>
+            </a:pPr>
+            <a:r>
+              <a:rPr lang="en" sz="1000">
+                <a:solidFill>
+                  <a:schemeClr val="dk1"/>
+                </a:solidFill>
+              </a:rPr>
+              <a:t>With an r-value of 0.12, there is a weak positive relationship for as Oceanic waters warm Robusta Prices increase. When Oceanic waters are Neutral Robusta Prices decrease. </a:t>
+            </a:r>
+            <a:endParaRPr sz="1000">
+              <a:solidFill>
+                <a:schemeClr val="dk1"/>
+              </a:solidFill>
+            </a:endParaRPr>
+          </a:p>
+        </p:txBody>
+      </p:sp>
+      <p:sp>
+        <p:nvSpPr>
+          <p:cNvPr id="370" name="Google Shape;370;p45"/>
+          <p:cNvSpPr txBox="1"/>
+          <p:nvPr/>
+        </p:nvSpPr>
+        <p:spPr>
+          <a:xfrm>
+            <a:off x="4676475" y="4294575"/>
+            <a:ext cx="4001100" cy="492600"/>
+          </a:xfrm>
+          <a:prstGeom prst="rect">
+            <a:avLst/>
+          </a:prstGeom>
+          <a:noFill/>
+          <a:ln>
+            <a:noFill/>
+          </a:ln>
+        </p:spPr>
+        <p:txBody>
+          <a:bodyPr anchorCtr="0" anchor="t" bIns="91425" lIns="91425" spcFirstLastPara="1" rIns="91425" wrap="square" tIns="91425">
+            <a:spAutoFit/>
+          </a:bodyPr>
+          <a:lstStyle/>
+          <a:p>
+            <a:pPr indent="0" lvl="0" marL="0" rtl="0" algn="l">
+              <a:spcBef>
+                <a:spcPts val="0"/>
+              </a:spcBef>
+              <a:spcAft>
+                <a:spcPts val="0"/>
+              </a:spcAft>
+              <a:buNone/>
+            </a:pPr>
+            <a:r>
+              <a:rPr lang="en" sz="1000">
+                <a:solidFill>
+                  <a:schemeClr val="dk1"/>
+                </a:solidFill>
+              </a:rPr>
+              <a:t>With an r-value of 0.008, there is a very weak negative relationship for as Oceanic waters cool Robusta Prices increase. </a:t>
+            </a:r>
+            <a:endParaRPr/>
+          </a:p>
+        </p:txBody>
+      </p:sp>
+    </p:spTree>
+  </p:cSld>
+  <p:clrMapOvr>
+    <a:masterClrMapping/>
+  </p:clrMapOvr>
+</p:sld>
+</file>
+
+<file path=ppt/slides/slide16.xml><?xml version="1.0" encoding="utf-8"?>
+<p:sld xmlns:a="http://schemas.openxmlformats.org/drawingml/2006/main" xmlns:r="http://schemas.openxmlformats.org/officeDocument/2006/relationships" xmlns:mc="http://schemas.openxmlformats.org/markup-compatibility/2006" xmlns:mv="urn:schemas-microsoft-com:mac:vml" xmlns:p="http://schemas.openxmlformats.org/presentationml/2006/main" xmlns:c="http://schemas.openxmlformats.org/drawingml/2006/chart" xmlns:dgm="http://schemas.openxmlformats.org/drawingml/2006/diagram" xmlns:o="urn:schemas-microsoft-com:office:office" xmlns:v="urn:schemas-microsoft-com:vml" xmlns:pvml="urn:schemas-microsoft-com:office:powerpoint" xmlns:com="http://schemas.openxmlformats.org/drawingml/2006/compatibility" xmlns:p14="http://schemas.microsoft.com/office/powerpoint/2010/main" xmlns:p15="http://schemas.microsoft.com/office/powerpoint/2012/main" xmlns:ahyp="http://schemas.microsoft.com/office/drawing/2018/hyperlinkcolor">
+  <p:cSld>
+    <p:spTree>
+      <p:nvGrpSpPr>
+        <p:cNvPr id="374" name="Shape 374"/>
+        <p:cNvGrpSpPr/>
+        <p:nvPr/>
+      </p:nvGrpSpPr>
+      <p:grpSpPr>
+        <a:xfrm>
+          <a:off x="0" y="0"/>
+          <a:ext cx="0" cy="0"/>
+          <a:chOff x="0" y="0"/>
+          <a:chExt cx="0" cy="0"/>
+        </a:xfrm>
+      </p:grpSpPr>
+      <p:sp>
+        <p:nvSpPr>
+          <p:cNvPr id="375" name="Google Shape;375;p46"/>
+          <p:cNvSpPr txBox="1"/>
+          <p:nvPr/>
+        </p:nvSpPr>
+        <p:spPr>
+          <a:xfrm>
+            <a:off x="1854775" y="292500"/>
+            <a:ext cx="5564400" cy="766500"/>
+          </a:xfrm>
+          <a:prstGeom prst="rect">
+            <a:avLst/>
+          </a:prstGeom>
+          <a:noFill/>
+          <a:ln>
+            <a:noFill/>
+          </a:ln>
+        </p:spPr>
+        <p:txBody>
+          <a:bodyPr anchorCtr="0" anchor="t" bIns="91425" lIns="91425" spcFirstLastPara="1" rIns="91425" wrap="square" tIns="91425">
+            <a:spAutoFit/>
+          </a:bodyPr>
+          <a:lstStyle/>
+          <a:p>
+            <a:pPr indent="0" lvl="0" marL="0" rtl="0" algn="ctr">
+              <a:lnSpc>
+                <a:spcPct val="90000"/>
+              </a:lnSpc>
+              <a:spcBef>
+                <a:spcPts val="0"/>
+              </a:spcBef>
+              <a:spcAft>
+                <a:spcPts val="0"/>
+              </a:spcAft>
+              <a:buNone/>
+            </a:pPr>
+            <a:r>
+              <a:rPr lang="en" sz="2100">
+                <a:solidFill>
+                  <a:schemeClr val="dk1"/>
+                </a:solidFill>
+              </a:rPr>
+              <a:t>Relationships Between  Oceanic Indexes and Total Production</a:t>
+            </a:r>
+            <a:endParaRPr/>
+          </a:p>
+        </p:txBody>
+      </p:sp>
+      <p:pic>
+        <p:nvPicPr>
+          <p:cNvPr id="376" name="Google Shape;376;p46"/>
+          <p:cNvPicPr preferRelativeResize="0"/>
+          <p:nvPr/>
+        </p:nvPicPr>
+        <p:blipFill>
+          <a:blip r:embed="rId3">
+            <a:alphaModFix/>
+          </a:blip>
+          <a:stretch>
+            <a:fillRect/>
+          </a:stretch>
+        </p:blipFill>
+        <p:spPr>
+          <a:xfrm>
+            <a:off x="330725" y="1123675"/>
+            <a:ext cx="3980750" cy="3072172"/>
+          </a:xfrm>
+          <a:prstGeom prst="rect">
+            <a:avLst/>
+          </a:prstGeom>
+          <a:noFill/>
+          <a:ln>
+            <a:noFill/>
+          </a:ln>
+          <a:effectLst>
+            <a:outerShdw blurRad="57150" rotWithShape="0" algn="bl" dir="5400000" dist="19050">
+              <a:srgbClr val="000000">
+                <a:alpha val="50000"/>
+              </a:srgbClr>
+            </a:outerShdw>
+          </a:effectLst>
+        </p:spPr>
+      </p:pic>
+      <p:pic>
+        <p:nvPicPr>
+          <p:cNvPr id="377" name="Google Shape;377;p46"/>
+          <p:cNvPicPr preferRelativeResize="0"/>
+          <p:nvPr/>
+        </p:nvPicPr>
+        <p:blipFill>
+          <a:blip r:embed="rId4">
+            <a:alphaModFix/>
+          </a:blip>
+          <a:stretch>
+            <a:fillRect/>
+          </a:stretch>
+        </p:blipFill>
+        <p:spPr>
+          <a:xfrm>
+            <a:off x="4771725" y="1137475"/>
+            <a:ext cx="3980750" cy="3044550"/>
+          </a:xfrm>
+          <a:prstGeom prst="rect">
+            <a:avLst/>
+          </a:prstGeom>
+          <a:noFill/>
+          <a:ln>
+            <a:noFill/>
+          </a:ln>
+          <a:effectLst>
+            <a:outerShdw blurRad="57150" rotWithShape="0" algn="bl" dir="5400000" dist="19050">
+              <a:srgbClr val="000000">
+                <a:alpha val="50000"/>
+              </a:srgbClr>
+            </a:outerShdw>
+          </a:effectLst>
+        </p:spPr>
+      </p:pic>
+      <p:sp>
+        <p:nvSpPr>
+          <p:cNvPr id="378" name="Google Shape;378;p46"/>
+          <p:cNvSpPr txBox="1"/>
+          <p:nvPr/>
+        </p:nvSpPr>
+        <p:spPr>
+          <a:xfrm>
+            <a:off x="330725" y="4195850"/>
+            <a:ext cx="3980700" cy="492600"/>
+          </a:xfrm>
+          <a:prstGeom prst="rect">
+            <a:avLst/>
+          </a:prstGeom>
+          <a:noFill/>
+          <a:ln>
+            <a:noFill/>
+          </a:ln>
+        </p:spPr>
+        <p:txBody>
+          <a:bodyPr anchorCtr="0" anchor="t" bIns="91425" lIns="91425" spcFirstLastPara="1" rIns="91425" wrap="square" tIns="91425">
+            <a:spAutoFit/>
+          </a:bodyPr>
+          <a:lstStyle/>
+          <a:p>
+            <a:pPr indent="0" lvl="0" marL="0" rtl="0" algn="l">
+              <a:spcBef>
+                <a:spcPts val="0"/>
+              </a:spcBef>
+              <a:spcAft>
+                <a:spcPts val="0"/>
+              </a:spcAft>
+              <a:buNone/>
+            </a:pPr>
+            <a:r>
+              <a:rPr lang="en" sz="1000">
+                <a:solidFill>
+                  <a:schemeClr val="dk1"/>
+                </a:solidFill>
+              </a:rPr>
+              <a:t>With an r-value of 0.00017, there is a negligible linear relationship for as Oceanic waters warm Total Production increase. </a:t>
+            </a:r>
+            <a:endParaRPr sz="1000">
+              <a:solidFill>
+                <a:schemeClr val="dk1"/>
+              </a:solidFill>
+            </a:endParaRPr>
+          </a:p>
+        </p:txBody>
+      </p:sp>
+      <p:sp>
+        <p:nvSpPr>
+          <p:cNvPr id="379" name="Google Shape;379;p46"/>
+          <p:cNvSpPr txBox="1"/>
+          <p:nvPr/>
+        </p:nvSpPr>
+        <p:spPr>
+          <a:xfrm>
+            <a:off x="4771725" y="4195850"/>
+            <a:ext cx="3980700" cy="492600"/>
+          </a:xfrm>
+          <a:prstGeom prst="rect">
+            <a:avLst/>
+          </a:prstGeom>
+          <a:noFill/>
+          <a:ln>
+            <a:noFill/>
+          </a:ln>
+        </p:spPr>
+        <p:txBody>
+          <a:bodyPr anchorCtr="0" anchor="t" bIns="91425" lIns="91425" spcFirstLastPara="1" rIns="91425" wrap="square" tIns="91425">
+            <a:spAutoFit/>
+          </a:bodyPr>
+          <a:lstStyle/>
+          <a:p>
+            <a:pPr indent="0" lvl="0" marL="0" rtl="0" algn="l">
+              <a:spcBef>
+                <a:spcPts val="0"/>
+              </a:spcBef>
+              <a:spcAft>
+                <a:spcPts val="0"/>
+              </a:spcAft>
+              <a:buNone/>
+            </a:pPr>
+            <a:r>
+              <a:rPr lang="en" sz="1000">
+                <a:solidFill>
+                  <a:schemeClr val="dk1"/>
+                </a:solidFill>
+              </a:rPr>
+              <a:t>With an r-value of 7.95, there is a negligible linear relationship for as Oceanic waters cool Total Production decrease. </a:t>
+            </a:r>
+            <a:endParaRPr>
+              <a:solidFill>
+                <a:schemeClr val="dk1"/>
+              </a:solidFill>
+            </a:endParaRPr>
+          </a:p>
+        </p:txBody>
+      </p:sp>
+    </p:spTree>
+  </p:cSld>
+  <p:clrMapOvr>
+    <a:masterClrMapping/>
+  </p:clrMapOvr>
+</p:sld>
+</file>
+
+<file path=ppt/slides/slide17.xml><?xml version="1.0" encoding="utf-8"?>
+<p:sld xmlns:a="http://schemas.openxmlformats.org/drawingml/2006/main" xmlns:r="http://schemas.openxmlformats.org/officeDocument/2006/relationships" xmlns:mc="http://schemas.openxmlformats.org/markup-compatibility/2006" xmlns:mv="urn:schemas-microsoft-com:mac:vml" xmlns:p="http://schemas.openxmlformats.org/presentationml/2006/main" xmlns:c="http://schemas.openxmlformats.org/drawingml/2006/chart" xmlns:dgm="http://schemas.openxmlformats.org/drawingml/2006/diagram" xmlns:o="urn:schemas-microsoft-com:office:office" xmlns:v="urn:schemas-microsoft-com:vml" xmlns:pvml="urn:schemas-microsoft-com:office:powerpoint" xmlns:com="http://schemas.openxmlformats.org/drawingml/2006/compatibility" xmlns:p14="http://schemas.microsoft.com/office/powerpoint/2010/main" xmlns:p15="http://schemas.microsoft.com/office/powerpoint/2012/main" xmlns:ahyp="http://schemas.microsoft.com/office/drawing/2018/hyperlinkcolor">
+  <p:cSld>
+    <p:spTree>
+      <p:nvGrpSpPr>
+        <p:cNvPr id="383" name="Shape 383"/>
+        <p:cNvGrpSpPr/>
+        <p:nvPr/>
+      </p:nvGrpSpPr>
+      <p:grpSpPr>
+        <a:xfrm>
+          <a:off x="0" y="0"/>
+          <a:ext cx="0" cy="0"/>
+          <a:chOff x="0" y="0"/>
+          <a:chExt cx="0" cy="0"/>
+        </a:xfrm>
+      </p:grpSpPr>
+      <p:sp>
+        <p:nvSpPr>
+          <p:cNvPr id="384" name="Google Shape;384;p47"/>
           <p:cNvSpPr txBox="1"/>
           <p:nvPr>
             <p:ph type="title"/>
@@ -34857,7 +36049,7 @@
       </p:sp>
       <p:sp>
         <p:nvSpPr>
-          <p:cNvPr id="365" name="Google Shape;365;p45"/>
+          <p:cNvPr id="385" name="Google Shape;385;p47"/>
           <p:cNvSpPr txBox="1"/>
           <p:nvPr>
             <p:ph idx="6" type="body"/>
@@ -34865,8 +36057,8 @@
         </p:nvSpPr>
         <p:spPr>
           <a:xfrm>
-            <a:off x="1313420" y="1612246"/>
-            <a:ext cx="6898200" cy="2762100"/>
+            <a:off x="1313425" y="1612249"/>
+            <a:ext cx="6898200" cy="1759800"/>
           </a:xfrm>
           <a:prstGeom prst="rect">
             <a:avLst/>
@@ -34878,7 +36070,7 @@
           </a:bodyPr>
           <a:lstStyle/>
           <a:p>
-            <a:pPr indent="0" lvl="0" marL="0" rtl="0" algn="l">
+            <a:pPr indent="0" lvl="0" marL="0" rtl="0" algn="ctr">
               <a:spcBef>
                 <a:spcPts val="800"/>
               </a:spcBef>
@@ -34888,9 +36080,83 @@
               <a:buNone/>
             </a:pPr>
             <a:r>
-              <a:t/>
+              <a:rPr lang="en" sz="1200">
+                <a:highlight>
+                  <a:srgbClr val="FFFFFF"/>
+                </a:highlight>
+              </a:rPr>
+              <a:t>While the insights gained from these analyses are invaluable for understanding the complex dynamics of the global coffee market and the interplay between environmental factors and agricultural production, the correlation between Arabica coffee prices, Robusta coffee prices, Total Production and the Oceanic Index (El Nino and La Nina) suggests that while meteorological conditions may have some impact, they are likely not the sole influencing factor. More analysis will be needed with extraneous variables.</a:t>
             </a:r>
-            <a:endParaRPr/>
+            <a:endParaRPr sz="1200">
+              <a:highlight>
+                <a:srgbClr val="FFFFFF"/>
+              </a:highlight>
+            </a:endParaRPr>
+          </a:p>
+        </p:txBody>
+      </p:sp>
+    </p:spTree>
+  </p:cSld>
+  <p:clrMapOvr>
+    <a:masterClrMapping/>
+  </p:clrMapOvr>
+</p:sld>
+</file>
+
+<file path=ppt/slides/slide18.xml><?xml version="1.0" encoding="utf-8"?>
+<p:sld xmlns:a="http://schemas.openxmlformats.org/drawingml/2006/main" xmlns:r="http://schemas.openxmlformats.org/officeDocument/2006/relationships" xmlns:mc="http://schemas.openxmlformats.org/markup-compatibility/2006" xmlns:mv="urn:schemas-microsoft-com:mac:vml" xmlns:p="http://schemas.openxmlformats.org/presentationml/2006/main" xmlns:c="http://schemas.openxmlformats.org/drawingml/2006/chart" xmlns:dgm="http://schemas.openxmlformats.org/drawingml/2006/diagram" xmlns:o="urn:schemas-microsoft-com:office:office" xmlns:v="urn:schemas-microsoft-com:vml" xmlns:pvml="urn:schemas-microsoft-com:office:powerpoint" xmlns:com="http://schemas.openxmlformats.org/drawingml/2006/compatibility" xmlns:p14="http://schemas.microsoft.com/office/powerpoint/2010/main" xmlns:p15="http://schemas.microsoft.com/office/powerpoint/2012/main" xmlns:ahyp="http://schemas.microsoft.com/office/drawing/2018/hyperlinkcolor">
+  <p:cSld>
+    <p:spTree>
+      <p:nvGrpSpPr>
+        <p:cNvPr id="389" name="Shape 389"/>
+        <p:cNvGrpSpPr/>
+        <p:nvPr/>
+      </p:nvGrpSpPr>
+      <p:grpSpPr>
+        <a:xfrm>
+          <a:off x="0" y="0"/>
+          <a:ext cx="0" cy="0"/>
+          <a:chOff x="0" y="0"/>
+          <a:chExt cx="0" cy="0"/>
+        </a:xfrm>
+      </p:grpSpPr>
+      <p:sp>
+        <p:nvSpPr>
+          <p:cNvPr id="390" name="Google Shape;390;p48"/>
+          <p:cNvSpPr txBox="1"/>
+          <p:nvPr>
+            <p:ph type="title"/>
+          </p:nvPr>
+        </p:nvSpPr>
+        <p:spPr>
+          <a:xfrm>
+            <a:off x="1413892" y="1836208"/>
+            <a:ext cx="6316200" cy="994200"/>
+          </a:xfrm>
+          <a:prstGeom prst="rect">
+            <a:avLst/>
+          </a:prstGeom>
+        </p:spPr>
+        <p:txBody>
+          <a:bodyPr anchorCtr="0" anchor="ctr" bIns="34275" lIns="68575" spcFirstLastPara="1" rIns="68575" wrap="square" tIns="34275">
+            <a:normAutofit/>
+          </a:bodyPr>
+          <a:lstStyle/>
+          <a:p>
+            <a:pPr indent="0" lvl="0" marL="0" rtl="0" algn="ctr">
+              <a:spcBef>
+                <a:spcPts val="0"/>
+              </a:spcBef>
+              <a:spcAft>
+                <a:spcPts val="0"/>
+              </a:spcAft>
+              <a:buNone/>
+            </a:pPr>
+            <a:r>
+              <a:rPr lang="en" sz="3700"/>
+              <a:t>Questions?</a:t>
+            </a:r>
+            <a:endParaRPr sz="3700"/>
           </a:p>
         </p:txBody>
       </p:sp>
@@ -34929,7 +36195,7 @@
         </p:nvSpPr>
         <p:spPr>
           <a:xfrm>
-            <a:off x="4572000" y="713050"/>
+            <a:off x="4572000" y="1126825"/>
             <a:ext cx="4286100" cy="1286700"/>
           </a:xfrm>
           <a:prstGeom prst="rect">
@@ -34965,77 +36231,9 @@
             </a:pPr>
             <a:r>
               <a:rPr lang="en" sz="2300"/>
-              <a:t>What countries are producing coffee?</a:t>
+              <a:t>What Countries are Producing Coffee?</a:t>
             </a:r>
             <a:endParaRPr sz="3900"/>
-          </a:p>
-        </p:txBody>
-      </p:sp>
-      <p:sp>
-        <p:nvSpPr>
-          <p:cNvPr id="267" name="Google Shape;267;p32"/>
-          <p:cNvSpPr txBox="1"/>
-          <p:nvPr>
-            <p:ph idx="1" type="subTitle"/>
-          </p:nvPr>
-        </p:nvSpPr>
-        <p:spPr>
-          <a:xfrm>
-            <a:off x="4572002" y="2297899"/>
-            <a:ext cx="3855900" cy="659100"/>
-          </a:xfrm>
-          <a:prstGeom prst="rect">
-            <a:avLst/>
-          </a:prstGeom>
-          <a:noFill/>
-          <a:ln>
-            <a:noFill/>
-          </a:ln>
-        </p:spPr>
-        <p:txBody>
-          <a:bodyPr anchorCtr="0" anchor="t" bIns="34275" lIns="68575" spcFirstLastPara="1" rIns="68575" wrap="square" tIns="34275">
-            <a:normAutofit/>
-          </a:bodyPr>
-          <a:lstStyle/>
-          <a:p>
-            <a:pPr indent="-304800" lvl="0" marL="457200" rtl="0" algn="l">
-              <a:lnSpc>
-                <a:spcPct val="150000"/>
-              </a:lnSpc>
-              <a:spcBef>
-                <a:spcPts val="0"/>
-              </a:spcBef>
-              <a:spcAft>
-                <a:spcPts val="0"/>
-              </a:spcAft>
-              <a:buSzPts val="1200"/>
-              <a:buChar char="●"/>
-            </a:pPr>
-            <a:r>
-              <a:rPr lang="en"/>
-              <a:t>Top 10 coffee-producing countries</a:t>
-            </a:r>
-            <a:endParaRPr/>
-          </a:p>
-          <a:p>
-            <a:pPr indent="-304800" lvl="0" marL="457200" rtl="0" algn="l">
-              <a:lnSpc>
-                <a:spcPct val="150000"/>
-              </a:lnSpc>
-              <a:spcBef>
-                <a:spcPts val="0"/>
-              </a:spcBef>
-              <a:spcAft>
-                <a:spcPts val="0"/>
-              </a:spcAft>
-              <a:buSzPts val="1200"/>
-              <a:buChar char="●"/>
-            </a:pPr>
-            <a:r>
-              <a:rPr lang="en"/>
-              <a:t>Total and average production per country</a:t>
-            </a:r>
-            <a:endParaRPr/>
           </a:p>
         </p:txBody>
       </p:sp>
@@ -35061,7 +36259,7 @@
     </p:bg>
     <p:spTree>
       <p:nvGrpSpPr>
-        <p:cNvPr id="271" name="Shape 271"/>
+        <p:cNvPr id="270" name="Shape 270"/>
         <p:cNvGrpSpPr/>
         <p:nvPr/>
       </p:nvGrpSpPr>
@@ -35073,44 +36271,9 @@
           <a:chExt cx="0" cy="0"/>
         </a:xfrm>
       </p:grpSpPr>
-      <p:pic>
-        <p:nvPicPr>
-          <p:cNvPr id="272" name="Google Shape;272;p33"/>
-          <p:cNvPicPr preferRelativeResize="0"/>
-          <p:nvPr/>
-        </p:nvPicPr>
-        <p:blipFill>
-          <a:blip r:embed="rId3">
-            <a:alphaModFix/>
-          </a:blip>
-          <a:stretch>
-            <a:fillRect/>
-          </a:stretch>
-        </p:blipFill>
-        <p:spPr>
-          <a:xfrm>
-            <a:off x="1030463" y="604138"/>
-            <a:ext cx="6988725" cy="4454275"/>
-          </a:xfrm>
-          <a:prstGeom prst="rect">
-            <a:avLst/>
-          </a:prstGeom>
-          <a:noFill/>
-          <a:ln>
-            <a:noFill/>
-          </a:ln>
-          <a:effectLst>
-            <a:outerShdw blurRad="57150" rotWithShape="0" algn="bl" dir="5400000" dist="19050">
-              <a:srgbClr val="000000">
-                <a:alpha val="50000"/>
-              </a:srgbClr>
-            </a:outerShdw>
-          </a:effectLst>
-        </p:spPr>
-      </p:pic>
       <p:sp>
         <p:nvSpPr>
-          <p:cNvPr id="273" name="Google Shape;273;p33"/>
+          <p:cNvPr id="271" name="Google Shape;271;p33"/>
           <p:cNvSpPr txBox="1"/>
           <p:nvPr/>
         </p:nvSpPr>
@@ -35158,6 +36321,34 @@
           </a:p>
         </p:txBody>
       </p:sp>
+      <p:pic>
+        <p:nvPicPr>
+          <p:cNvPr id="272" name="Google Shape;272;p33"/>
+          <p:cNvPicPr preferRelativeResize="0"/>
+          <p:nvPr/>
+        </p:nvPicPr>
+        <p:blipFill>
+          <a:blip r:embed="rId3">
+            <a:alphaModFix/>
+          </a:blip>
+          <a:stretch>
+            <a:fillRect/>
+          </a:stretch>
+        </p:blipFill>
+        <p:spPr>
+          <a:xfrm>
+            <a:off x="1173050" y="631475"/>
+            <a:ext cx="6797903" cy="4351200"/>
+          </a:xfrm>
+          <a:prstGeom prst="rect">
+            <a:avLst/>
+          </a:prstGeom>
+          <a:noFill/>
+          <a:ln>
+            <a:noFill/>
+          </a:ln>
+        </p:spPr>
+      </p:pic>
     </p:spTree>
   </p:cSld>
   <p:clrMapOvr>
@@ -35171,7 +36362,7 @@
   <p:cSld>
     <p:spTree>
       <p:nvGrpSpPr>
-        <p:cNvPr id="277" name="Shape 277"/>
+        <p:cNvPr id="276" name="Shape 276"/>
         <p:cNvGrpSpPr/>
         <p:nvPr/>
       </p:nvGrpSpPr>
@@ -35185,7 +36376,7 @@
       </p:grpSpPr>
       <p:sp>
         <p:nvSpPr>
-          <p:cNvPr id="278" name="Google Shape;278;p34"/>
+          <p:cNvPr id="277" name="Google Shape;277;p34"/>
           <p:cNvSpPr txBox="1"/>
           <p:nvPr>
             <p:ph idx="12" type="sldNum"/>
@@ -35229,7 +36420,7 @@
       </p:sp>
       <p:pic>
         <p:nvPicPr>
-          <p:cNvPr id="279" name="Google Shape;279;p34"/>
+          <p:cNvPr id="278" name="Google Shape;278;p34"/>
           <p:cNvPicPr preferRelativeResize="0"/>
           <p:nvPr/>
         </p:nvPicPr>
@@ -35270,7 +36461,7 @@
       </p:pic>
       <p:sp>
         <p:nvSpPr>
-          <p:cNvPr id="280" name="Google Shape;280;p34"/>
+          <p:cNvPr id="279" name="Google Shape;279;p34"/>
           <p:cNvSpPr txBox="1"/>
           <p:nvPr/>
         </p:nvSpPr>
@@ -35315,7 +36506,7 @@
       </p:sp>
       <p:sp>
         <p:nvSpPr>
-          <p:cNvPr id="281" name="Google Shape;281;p34"/>
+          <p:cNvPr id="280" name="Google Shape;280;p34"/>
           <p:cNvSpPr txBox="1"/>
           <p:nvPr/>
         </p:nvSpPr>
@@ -35384,81 +36575,6 @@
   <p:clrMapOvr>
     <a:masterClrMapping/>
   </p:clrMapOvr>
-  <p:timing>
-    <p:tnLst>
-      <p:par>
-        <p:cTn dur="indefinite" nodeType="tmRoot" restart="never">
-          <p:childTnLst>
-            <p:seq concurrent="1" nextAc="seek">
-              <p:cTn dur="indefinite" id="2" nodeType="mainSeq">
-                <p:childTnLst>
-                  <p:par>
-                    <p:cTn fill="hold">
-                      <p:stCondLst>
-                        <p:cond delay="indefinite"/>
-                      </p:stCondLst>
-                      <p:childTnLst>
-                        <p:par>
-                          <p:cTn fill="hold">
-                            <p:stCondLst>
-                              <p:cond delay="0"/>
-                            </p:stCondLst>
-                            <p:childTnLst>
-                              <p:par>
-                                <p:cTn fill="hold" nodeType="clickEffect" presetClass="entr" presetID="1" presetSubtype="0">
-                                  <p:stCondLst>
-                                    <p:cond delay="0"/>
-                                  </p:stCondLst>
-                                  <p:childTnLst>
-                                    <p:set>
-                                      <p:cBhvr>
-                                        <p:cTn dur="1" fill="hold">
-                                          <p:stCondLst>
-                                            <p:cond delay="0"/>
-                                          </p:stCondLst>
-                                        </p:cTn>
-                                        <p:tgtEl>
-                                          <p:spTgt spid="279"/>
-                                        </p:tgtEl>
-                                        <p:attrNameLst>
-                                          <p:attrName>style.visibility</p:attrName>
-                                        </p:attrNameLst>
-                                      </p:cBhvr>
-                                      <p:to>
-                                        <p:strVal val="visible"/>
-                                      </p:to>
-                                    </p:set>
-                                  </p:childTnLst>
-                                </p:cTn>
-                              </p:par>
-                            </p:childTnLst>
-                          </p:cTn>
-                        </p:par>
-                      </p:childTnLst>
-                    </p:cTn>
-                  </p:par>
-                </p:childTnLst>
-              </p:cTn>
-              <p:prevCondLst>
-                <p:cond evt="onPrev">
-                  <p:tgtEl>
-                    <p:sldTgt/>
-                  </p:tgtEl>
-                </p:cond>
-              </p:prevCondLst>
-              <p:nextCondLst>
-                <p:cond evt="onNext">
-                  <p:tgtEl>
-                    <p:sldTgt/>
-                  </p:tgtEl>
-                </p:cond>
-              </p:nextCondLst>
-            </p:seq>
-          </p:childTnLst>
-        </p:cTn>
-      </p:par>
-    </p:tnLst>
-  </p:timing>
 </p:sld>
 </file>
 
@@ -35467,7 +36583,7 @@
   <p:cSld>
     <p:spTree>
       <p:nvGrpSpPr>
-        <p:cNvPr id="285" name="Shape 285"/>
+        <p:cNvPr id="284" name="Shape 284"/>
         <p:cNvGrpSpPr/>
         <p:nvPr/>
       </p:nvGrpSpPr>
@@ -35481,7 +36597,7 @@
       </p:grpSpPr>
       <p:sp>
         <p:nvSpPr>
-          <p:cNvPr id="286" name="Google Shape;286;p35"/>
+          <p:cNvPr id="285" name="Google Shape;285;p35"/>
           <p:cNvSpPr txBox="1"/>
           <p:nvPr/>
         </p:nvSpPr>
@@ -35528,7 +36644,7 @@
       </p:sp>
       <p:pic>
         <p:nvPicPr>
-          <p:cNvPr id="287" name="Google Shape;287;p35"/>
+          <p:cNvPr id="286" name="Google Shape;286;p35"/>
           <p:cNvPicPr preferRelativeResize="0"/>
           <p:nvPr/>
         </p:nvPicPr>
@@ -35563,7 +36679,7 @@
       </p:pic>
       <p:sp>
         <p:nvSpPr>
-          <p:cNvPr id="288" name="Google Shape;288;p35"/>
+          <p:cNvPr id="287" name="Google Shape;287;p35"/>
           <p:cNvSpPr txBox="1"/>
           <p:nvPr/>
         </p:nvSpPr>
@@ -35610,7 +36726,7 @@
       </p:sp>
       <p:sp>
         <p:nvSpPr>
-          <p:cNvPr id="289" name="Google Shape;289;p35"/>
+          <p:cNvPr id="288" name="Google Shape;288;p35"/>
           <p:cNvSpPr txBox="1"/>
           <p:nvPr/>
         </p:nvSpPr>
@@ -35671,7 +36787,7 @@
   <p:cSld>
     <p:spTree>
       <p:nvGrpSpPr>
-        <p:cNvPr id="293" name="Shape 293"/>
+        <p:cNvPr id="292" name="Shape 292"/>
         <p:cNvGrpSpPr/>
         <p:nvPr/>
       </p:nvGrpSpPr>
@@ -35685,7 +36801,7 @@
       </p:grpSpPr>
       <p:sp>
         <p:nvSpPr>
-          <p:cNvPr id="294" name="Google Shape;294;p36"/>
+          <p:cNvPr id="293" name="Google Shape;293;p36"/>
           <p:cNvSpPr txBox="1"/>
           <p:nvPr>
             <p:ph type="title"/>
@@ -35737,7 +36853,7 @@
       </p:sp>
       <p:sp>
         <p:nvSpPr>
-          <p:cNvPr id="295" name="Google Shape;295;p36"/>
+          <p:cNvPr id="294" name="Google Shape;294;p36"/>
           <p:cNvSpPr txBox="1"/>
           <p:nvPr>
             <p:ph idx="1" type="body"/>
@@ -35758,7 +36874,7 @@
         </p:spPr>
         <p:txBody>
           <a:bodyPr anchorCtr="0" anchor="t" bIns="34275" lIns="68575" spcFirstLastPara="1" rIns="68575" wrap="square" tIns="34275">
-            <a:normAutofit fontScale="40000" lnSpcReduction="20000"/>
+            <a:normAutofit fontScale="47500"/>
           </a:bodyPr>
           <a:lstStyle/>
           <a:p>
@@ -35785,7 +36901,7 @@
             <a:endParaRPr/>
           </a:p>
           <a:p>
-            <a:pPr indent="-210820" lvl="0" marL="215900" rtl="0" algn="l">
+            <a:pPr indent="-221773" lvl="0" marL="215900" rtl="0" algn="l">
               <a:lnSpc>
                 <a:spcPct val="150000"/>
               </a:lnSpc>
@@ -35813,7 +36929,7 @@
             <a:endParaRPr/>
           </a:p>
           <a:p>
-            <a:pPr indent="-210820" lvl="0" marL="215900" rtl="0" algn="l">
+            <a:pPr indent="-221773" lvl="0" marL="215900" rtl="0" algn="l">
               <a:lnSpc>
                 <a:spcPct val="150000"/>
               </a:lnSpc>
@@ -35876,12 +36992,11 @@
               <a:buClr>
                 <a:schemeClr val="lt1"/>
               </a:buClr>
-              <a:buSzPct val="100000"/>
+              <a:buSzPct val="209090"/>
               <a:buNone/>
             </a:pPr>
             <a:r>
-              <a:rPr lang="en" sz="2300"/>
-              <a:t>There are many different varieties and cultivars of the beans above, which have been bred to create hardier genes so that the plants can withstand harsher climates, allowing the cultivation of coffee beans worldwide.</a:t>
+              <a:t/>
             </a:r>
             <a:endParaRPr/>
           </a:p>
@@ -35934,7 +37049,7 @@
       </p:sp>
       <p:sp>
         <p:nvSpPr>
-          <p:cNvPr id="296" name="Google Shape;296;p36"/>
+          <p:cNvPr id="295" name="Google Shape;295;p36"/>
           <p:cNvSpPr txBox="1"/>
           <p:nvPr>
             <p:ph idx="12" type="sldNum"/>
@@ -35989,7 +37104,7 @@
   <p:cSld>
     <p:spTree>
       <p:nvGrpSpPr>
-        <p:cNvPr id="300" name="Shape 300"/>
+        <p:cNvPr id="299" name="Shape 299"/>
         <p:cNvGrpSpPr/>
         <p:nvPr/>
       </p:nvGrpSpPr>
@@ -36003,7 +37118,7 @@
       </p:grpSpPr>
       <p:sp>
         <p:nvSpPr>
-          <p:cNvPr id="301" name="Google Shape;301;p37"/>
+          <p:cNvPr id="300" name="Google Shape;300;p37"/>
           <p:cNvSpPr txBox="1"/>
           <p:nvPr>
             <p:ph type="title"/>
@@ -36055,7 +37170,7 @@
       </p:sp>
       <p:sp>
         <p:nvSpPr>
-          <p:cNvPr id="302" name="Google Shape;302;p37"/>
+          <p:cNvPr id="301" name="Google Shape;301;p37"/>
           <p:cNvSpPr txBox="1"/>
           <p:nvPr>
             <p:ph idx="1" type="body"/>
@@ -36378,7 +37493,7 @@
       </p:sp>
       <p:sp>
         <p:nvSpPr>
-          <p:cNvPr id="303" name="Google Shape;303;p37"/>
+          <p:cNvPr id="302" name="Google Shape;302;p37"/>
           <p:cNvSpPr txBox="1"/>
           <p:nvPr>
             <p:ph idx="12" type="sldNum"/>
@@ -36442,7 +37557,7 @@
     </p:bg>
     <p:spTree>
       <p:nvGrpSpPr>
-        <p:cNvPr id="307" name="Shape 307"/>
+        <p:cNvPr id="306" name="Shape 306"/>
         <p:cNvGrpSpPr/>
         <p:nvPr/>
       </p:nvGrpSpPr>
@@ -36456,7 +37571,7 @@
       </p:grpSpPr>
       <p:sp>
         <p:nvSpPr>
-          <p:cNvPr id="308" name="Google Shape;308;p38"/>
+          <p:cNvPr id="307" name="Google Shape;307;p38"/>
           <p:cNvSpPr txBox="1"/>
           <p:nvPr>
             <p:ph type="title"/>
@@ -36496,7 +37611,7 @@
       </p:sp>
       <p:pic>
         <p:nvPicPr>
-          <p:cNvPr id="309" name="Google Shape;309;p38"/>
+          <p:cNvPr id="308" name="Google Shape;308;p38"/>
           <p:cNvPicPr preferRelativeResize="0"/>
           <p:nvPr/>
         </p:nvPicPr>
@@ -36531,7 +37646,7 @@
       </p:pic>
       <p:sp>
         <p:nvSpPr>
-          <p:cNvPr id="310" name="Google Shape;310;p38"/>
+          <p:cNvPr id="309" name="Google Shape;309;p38"/>
           <p:cNvSpPr txBox="1"/>
           <p:nvPr/>
         </p:nvSpPr>
@@ -36592,7 +37707,7 @@
   <p:cSld>
     <p:spTree>
       <p:nvGrpSpPr>
-        <p:cNvPr id="314" name="Shape 314"/>
+        <p:cNvPr id="313" name="Shape 313"/>
         <p:cNvGrpSpPr/>
         <p:nvPr/>
       </p:nvGrpSpPr>
@@ -36606,7 +37721,7 @@
       </p:grpSpPr>
       <p:sp>
         <p:nvSpPr>
-          <p:cNvPr id="315" name="Google Shape;315;p39"/>
+          <p:cNvPr id="314" name="Google Shape;314;p39"/>
           <p:cNvSpPr txBox="1"/>
           <p:nvPr>
             <p:ph type="title"/>
@@ -36666,7 +37781,7 @@
       </p:sp>
       <p:sp>
         <p:nvSpPr>
-          <p:cNvPr id="316" name="Google Shape;316;p39"/>
+          <p:cNvPr id="315" name="Google Shape;315;p39"/>
           <p:cNvSpPr txBox="1"/>
           <p:nvPr>
             <p:ph idx="12" type="sldNum"/>
@@ -36710,7 +37825,7 @@
       </p:sp>
       <p:sp>
         <p:nvSpPr>
-          <p:cNvPr id="317" name="Google Shape;317;p39"/>
+          <p:cNvPr id="316" name="Google Shape;316;p39"/>
           <p:cNvSpPr txBox="1"/>
           <p:nvPr/>
         </p:nvSpPr>
@@ -36760,7 +37875,7 @@
       </p:sp>
       <p:pic>
         <p:nvPicPr>
-          <p:cNvPr id="318" name="Google Shape;318;p39"/>
+          <p:cNvPr id="317" name="Google Shape;317;p39"/>
           <p:cNvPicPr preferRelativeResize="0"/>
           <p:nvPr/>
         </p:nvPicPr>
@@ -36795,9 +37910,9 @@
 </file>
 
 <file path=ppt/theme/theme1.xml><?xml version="1.0" encoding="utf-8"?>
-<a:theme xmlns:a="http://schemas.openxmlformats.org/drawingml/2006/main" xmlns:r="http://schemas.openxmlformats.org/officeDocument/2006/relationships" name="Simple Light">
+<a:theme xmlns:a="http://schemas.openxmlformats.org/drawingml/2006/main" xmlns:r="http://schemas.openxmlformats.org/officeDocument/2006/relationships" name="Office Theme">
   <a:themeElements>
-    <a:clrScheme name="Simple Light">
+    <a:clrScheme name="Custom 149">
       <a:dk1>
         <a:srgbClr val="000000"/>
       </a:dk1>
@@ -36805,34 +37920,34 @@
         <a:srgbClr val="FFFFFF"/>
       </a:lt1>
       <a:dk2>
-        <a:srgbClr val="595959"/>
+        <a:srgbClr val="44546A"/>
       </a:dk2>
       <a:lt2>
-        <a:srgbClr val="EEEEEE"/>
+        <a:srgbClr val="E7E6E6"/>
       </a:lt2>
       <a:accent1>
-        <a:srgbClr val="4285F4"/>
+        <a:srgbClr val="E9E6DF"/>
       </a:accent1>
       <a:accent2>
-        <a:srgbClr val="212121"/>
+        <a:srgbClr val="ED7D31"/>
       </a:accent2>
       <a:accent3>
-        <a:srgbClr val="78909C"/>
+        <a:srgbClr val="A5A5A5"/>
       </a:accent3>
       <a:accent4>
-        <a:srgbClr val="FFAB40"/>
+        <a:srgbClr val="FFC000"/>
       </a:accent4>
       <a:accent5>
-        <a:srgbClr val="0097A7"/>
+        <a:srgbClr val="5B9BD5"/>
       </a:accent5>
       <a:accent6>
-        <a:srgbClr val="EEFF41"/>
+        <a:srgbClr val="70AD47"/>
       </a:accent6>
       <a:hlink>
-        <a:srgbClr val="0097A7"/>
+        <a:srgbClr val="0563C1"/>
       </a:hlink>
       <a:folHlink>
-        <a:srgbClr val="0097A7"/>
+        <a:srgbClr val="954F72"/>
       </a:folHlink>
     </a:clrScheme>
     <a:fontScheme name="Office">
@@ -37632,9 +38747,9 @@
 </file>
 
 <file path=ppt/theme/theme4.xml><?xml version="1.0" encoding="utf-8"?>
-<a:theme xmlns:a="http://schemas.openxmlformats.org/drawingml/2006/main" xmlns:r="http://schemas.openxmlformats.org/officeDocument/2006/relationships" name="Office Theme">
+<a:theme xmlns:a="http://schemas.openxmlformats.org/drawingml/2006/main" xmlns:r="http://schemas.openxmlformats.org/officeDocument/2006/relationships" name="Simple Light">
   <a:themeElements>
-    <a:clrScheme name="Custom 149">
+    <a:clrScheme name="Simple Light">
       <a:dk1>
         <a:srgbClr val="000000"/>
       </a:dk1>
@@ -37642,34 +38757,34 @@
         <a:srgbClr val="FFFFFF"/>
       </a:lt1>
       <a:dk2>
-        <a:srgbClr val="44546A"/>
+        <a:srgbClr val="595959"/>
       </a:dk2>
       <a:lt2>
-        <a:srgbClr val="E7E6E6"/>
+        <a:srgbClr val="EEEEEE"/>
       </a:lt2>
       <a:accent1>
-        <a:srgbClr val="E9E6DF"/>
+        <a:srgbClr val="4285F4"/>
       </a:accent1>
       <a:accent2>
-        <a:srgbClr val="ED7D31"/>
+        <a:srgbClr val="212121"/>
       </a:accent2>
       <a:accent3>
-        <a:srgbClr val="A5A5A5"/>
+        <a:srgbClr val="78909C"/>
       </a:accent3>
       <a:accent4>
-        <a:srgbClr val="FFC000"/>
+        <a:srgbClr val="FFAB40"/>
       </a:accent4>
       <a:accent5>
-        <a:srgbClr val="5B9BD5"/>
+        <a:srgbClr val="0097A7"/>
       </a:accent5>
       <a:accent6>
-        <a:srgbClr val="70AD47"/>
+        <a:srgbClr val="EEFF41"/>
       </a:accent6>
       <a:hlink>
-        <a:srgbClr val="0563C1"/>
+        <a:srgbClr val="0097A7"/>
       </a:hlink>
       <a:folHlink>
-        <a:srgbClr val="954F72"/>
+        <a:srgbClr val="0097A7"/>
       </a:folHlink>
     </a:clrScheme>
     <a:fontScheme name="Office">
